--- a/界面设计/eTeam界面—团队.pptx
+++ b/界面设计/eTeam界面—团队.pptx
@@ -9288,7 +9288,7 @@
         </p:nvSpPr>
         <p:spPr>
           <a:xfrm>
-            <a:off x="1798320" y="827405"/>
+            <a:off x="1798320" y="819150"/>
             <a:ext cx="3016250" cy="209550"/>
           </a:xfrm>
           <a:prstGeom prst="rect">
@@ -9525,7 +9525,7 @@
         </p:nvSpPr>
         <p:spPr>
           <a:xfrm>
-            <a:off x="1798955" y="3921760"/>
+            <a:off x="1798955" y="4053840"/>
             <a:ext cx="3016250" cy="209550"/>
           </a:xfrm>
           <a:prstGeom prst="rect">
@@ -9586,7 +9586,7 @@
         </p:nvSpPr>
         <p:spPr>
           <a:xfrm>
-            <a:off x="1798955" y="4156075"/>
+            <a:off x="1798955" y="4288155"/>
             <a:ext cx="3016250" cy="209550"/>
           </a:xfrm>
           <a:prstGeom prst="rect">
@@ -9647,7 +9647,7 @@
         </p:nvSpPr>
         <p:spPr>
           <a:xfrm>
-            <a:off x="1790700" y="3716655"/>
+            <a:off x="1790700" y="3848735"/>
             <a:ext cx="682625" cy="205105"/>
           </a:xfrm>
           <a:prstGeom prst="rect">
@@ -9701,7 +9701,7 @@
         </p:nvSpPr>
         <p:spPr>
           <a:xfrm>
-            <a:off x="1798955" y="1744980"/>
+            <a:off x="1802130" y="3212465"/>
             <a:ext cx="3016250" cy="209550"/>
           </a:xfrm>
           <a:prstGeom prst="rect">
@@ -9762,7 +9762,7 @@
         </p:nvSpPr>
         <p:spPr>
           <a:xfrm>
-            <a:off x="1798955" y="2205355"/>
+            <a:off x="1803400" y="2980690"/>
             <a:ext cx="3016250" cy="209550"/>
           </a:xfrm>
           <a:prstGeom prst="rect">
@@ -9823,7 +9823,7 @@
         </p:nvSpPr>
         <p:spPr>
           <a:xfrm>
-            <a:off x="1798320" y="4716780"/>
+            <a:off x="1798320" y="4848860"/>
             <a:ext cx="3016250" cy="209550"/>
           </a:xfrm>
           <a:prstGeom prst="rect">
@@ -9884,7 +9884,7 @@
         </p:nvSpPr>
         <p:spPr>
           <a:xfrm>
-            <a:off x="1790065" y="4511675"/>
+            <a:off x="1790065" y="4643755"/>
             <a:ext cx="811530" cy="205105"/>
           </a:xfrm>
           <a:prstGeom prst="rect">
@@ -9932,13 +9932,13 @@
       </p:sp>
       <p:sp>
         <p:nvSpPr>
-          <p:cNvPr id="46" name="矩形 45"/>
-          <p:cNvSpPr/>
-          <p:nvPr/>
-        </p:nvSpPr>
-        <p:spPr>
-          <a:xfrm>
-            <a:off x="1798955" y="2440940"/>
+          <p:cNvPr id="47" name="矩形 46"/>
+          <p:cNvSpPr/>
+          <p:nvPr/>
+        </p:nvSpPr>
+        <p:spPr>
+          <a:xfrm>
+            <a:off x="1802130" y="3438525"/>
             <a:ext cx="3016250" cy="209550"/>
           </a:xfrm>
           <a:prstGeom prst="rect">
@@ -9976,14 +9976,14 @@
           <a:p>
             <a:pPr algn="ctr"/>
             <a:r>
-              <a:rPr lang="zh-CN" altLang="en-US" sz="1000">
+              <a:rPr lang="zh-CN" sz="1000">
                 <a:solidFill>
                   <a:schemeClr val="tx1"/>
                 </a:solidFill>
               </a:rPr>
-              <a:t>返程时间</a:t>
-            </a:r>
-            <a:endParaRPr lang="zh-CN" altLang="en-US" sz="1000">
+              <a:t>出发点位置</a:t>
+            </a:r>
+            <a:endParaRPr lang="zh-CN" sz="1000">
               <a:solidFill>
                 <a:schemeClr val="tx1"/>
               </a:solidFill>
@@ -9993,13 +9993,83 @@
       </p:sp>
       <p:sp>
         <p:nvSpPr>
-          <p:cNvPr id="47" name="矩形 46"/>
-          <p:cNvSpPr/>
-          <p:nvPr/>
-        </p:nvSpPr>
-        <p:spPr>
-          <a:xfrm>
-            <a:off x="1798955" y="1971040"/>
+          <p:cNvPr id="52" name="矩形 51"/>
+          <p:cNvSpPr/>
+          <p:nvPr/>
+        </p:nvSpPr>
+        <p:spPr>
+          <a:xfrm>
+            <a:off x="1800225" y="6050280"/>
+            <a:ext cx="3014980" cy="283210"/>
+          </a:xfrm>
+          <a:prstGeom prst="rect">
+            <a:avLst/>
+          </a:prstGeom>
+          <a:ln>
+            <a:noFill/>
+          </a:ln>
+        </p:spPr>
+        <p:style>
+          <a:lnRef idx="2">
+            <a:schemeClr val="accent1">
+              <a:shade val="50000"/>
+            </a:schemeClr>
+          </a:lnRef>
+          <a:fillRef idx="1">
+            <a:schemeClr val="accent1"/>
+          </a:fillRef>
+          <a:effectRef idx="0">
+            <a:schemeClr val="accent1"/>
+          </a:effectRef>
+          <a:fontRef idx="minor">
+            <a:schemeClr val="lt1"/>
+          </a:fontRef>
+        </p:style>
+        <p:txBody>
+          <a:bodyPr rtlCol="0" anchor="ctr"/>
+          <a:p>
+            <a:pPr algn="ctr"/>
+            <a:r>
+              <a:rPr lang="zh-CN" altLang="en-US" sz="1200">
+                <a:solidFill>
+                  <a:schemeClr val="bg1"/>
+                </a:solidFill>
+              </a:rPr>
+              <a:t>查看分配信息</a:t>
+            </a:r>
+            <a:r>
+              <a:rPr lang="en-US" altLang="zh-CN" sz="1200">
+                <a:solidFill>
+                  <a:schemeClr val="bg1"/>
+                </a:solidFill>
+              </a:rPr>
+              <a:t>——</a:t>
+            </a:r>
+            <a:r>
+              <a:rPr lang="zh-CN" altLang="en-US" sz="1200">
+                <a:solidFill>
+                  <a:schemeClr val="bg1"/>
+                </a:solidFill>
+              </a:rPr>
+              <a:t>发送提醒</a:t>
+            </a:r>
+            <a:endParaRPr lang="zh-CN" altLang="en-US" sz="1200">
+              <a:solidFill>
+                <a:schemeClr val="bg1"/>
+              </a:solidFill>
+            </a:endParaRPr>
+          </a:p>
+        </p:txBody>
+      </p:sp>
+      <p:sp>
+        <p:nvSpPr>
+          <p:cNvPr id="53" name="矩形 52"/>
+          <p:cNvSpPr/>
+          <p:nvPr/>
+        </p:nvSpPr>
+        <p:spPr>
+          <a:xfrm>
+            <a:off x="1800225" y="1981835"/>
             <a:ext cx="3016250" cy="209550"/>
           </a:xfrm>
           <a:prstGeom prst="rect">
@@ -10037,14 +10107,14 @@
           <a:p>
             <a:pPr algn="ctr"/>
             <a:r>
-              <a:rPr lang="zh-CN" sz="1000">
+              <a:rPr lang="zh-CN" altLang="en-US" sz="1000">
                 <a:solidFill>
                   <a:schemeClr val="tx1"/>
                 </a:solidFill>
               </a:rPr>
-              <a:t>出发点位置</a:t>
-            </a:r>
-            <a:endParaRPr lang="zh-CN" sz="1000">
+              <a:t>联系方式</a:t>
+            </a:r>
+            <a:endParaRPr lang="zh-CN" altLang="en-US" sz="1000">
               <a:solidFill>
                 <a:schemeClr val="tx1"/>
               </a:solidFill>
@@ -10054,83 +10124,13 @@
       </p:sp>
       <p:sp>
         <p:nvSpPr>
-          <p:cNvPr id="52" name="矩形 51"/>
-          <p:cNvSpPr/>
-          <p:nvPr/>
-        </p:nvSpPr>
-        <p:spPr>
-          <a:xfrm>
-            <a:off x="1800225" y="6000750"/>
-            <a:ext cx="3014980" cy="283210"/>
-          </a:xfrm>
-          <a:prstGeom prst="rect">
-            <a:avLst/>
-          </a:prstGeom>
-          <a:ln>
-            <a:noFill/>
-          </a:ln>
-        </p:spPr>
-        <p:style>
-          <a:lnRef idx="2">
-            <a:schemeClr val="accent1">
-              <a:shade val="50000"/>
-            </a:schemeClr>
-          </a:lnRef>
-          <a:fillRef idx="1">
-            <a:schemeClr val="accent1"/>
-          </a:fillRef>
-          <a:effectRef idx="0">
-            <a:schemeClr val="accent1"/>
-          </a:effectRef>
-          <a:fontRef idx="minor">
-            <a:schemeClr val="lt1"/>
-          </a:fontRef>
-        </p:style>
-        <p:txBody>
-          <a:bodyPr rtlCol="0" anchor="ctr"/>
-          <a:p>
-            <a:pPr algn="ctr"/>
-            <a:r>
-              <a:rPr lang="zh-CN" altLang="en-US" sz="1200">
-                <a:solidFill>
-                  <a:schemeClr val="bg1"/>
-                </a:solidFill>
-              </a:rPr>
-              <a:t>查看分配信息</a:t>
-            </a:r>
-            <a:r>
-              <a:rPr lang="en-US" altLang="zh-CN" sz="1200">
-                <a:solidFill>
-                  <a:schemeClr val="bg1"/>
-                </a:solidFill>
-              </a:rPr>
-              <a:t>——</a:t>
-            </a:r>
-            <a:r>
-              <a:rPr lang="zh-CN" altLang="en-US" sz="1200">
-                <a:solidFill>
-                  <a:schemeClr val="bg1"/>
-                </a:solidFill>
-              </a:rPr>
-              <a:t>发送提醒</a:t>
-            </a:r>
-            <a:endParaRPr lang="zh-CN" altLang="en-US" sz="1200">
-              <a:solidFill>
-                <a:schemeClr val="bg1"/>
-              </a:solidFill>
-            </a:endParaRPr>
-          </a:p>
-        </p:txBody>
-      </p:sp>
-      <p:sp>
-        <p:nvSpPr>
-          <p:cNvPr id="53" name="矩形 52"/>
-          <p:cNvSpPr/>
-          <p:nvPr/>
-        </p:nvSpPr>
-        <p:spPr>
-          <a:xfrm>
-            <a:off x="1798320" y="2904490"/>
+          <p:cNvPr id="54" name="矩形 53"/>
+          <p:cNvSpPr/>
+          <p:nvPr/>
+        </p:nvSpPr>
+        <p:spPr>
+          <a:xfrm>
+            <a:off x="1800860" y="1751965"/>
             <a:ext cx="3016250" cy="209550"/>
           </a:xfrm>
           <a:prstGeom prst="rect">
@@ -10173,7 +10173,7 @@
                   <a:schemeClr val="tx1"/>
                 </a:solidFill>
               </a:rPr>
-              <a:t>联系方式</a:t>
+              <a:t>负责人</a:t>
             </a:r>
             <a:endParaRPr lang="zh-CN" altLang="en-US" sz="1000">
               <a:solidFill>
@@ -10185,13 +10185,13 @@
       </p:sp>
       <p:sp>
         <p:nvSpPr>
-          <p:cNvPr id="54" name="矩形 53"/>
-          <p:cNvSpPr/>
-          <p:nvPr/>
-        </p:nvSpPr>
-        <p:spPr>
-          <a:xfrm>
-            <a:off x="1798955" y="2674620"/>
+          <p:cNvPr id="55" name="矩形 54"/>
+          <p:cNvSpPr/>
+          <p:nvPr/>
+        </p:nvSpPr>
+        <p:spPr>
+          <a:xfrm>
+            <a:off x="1800860" y="2218055"/>
             <a:ext cx="3016250" cy="209550"/>
           </a:xfrm>
           <a:prstGeom prst="rect">
@@ -10234,7 +10234,7 @@
                   <a:schemeClr val="tx1"/>
                 </a:solidFill>
               </a:rPr>
-              <a:t>负责人</a:t>
+              <a:t>人数</a:t>
             </a:r>
             <a:endParaRPr lang="zh-CN" altLang="en-US" sz="1000">
               <a:solidFill>
@@ -10246,13 +10246,13 @@
       </p:sp>
       <p:sp>
         <p:nvSpPr>
-          <p:cNvPr id="55" name="矩形 54"/>
-          <p:cNvSpPr/>
-          <p:nvPr/>
-        </p:nvSpPr>
-        <p:spPr>
-          <a:xfrm>
-            <a:off x="1798955" y="3140710"/>
+          <p:cNvPr id="56" name="矩形 55"/>
+          <p:cNvSpPr/>
+          <p:nvPr/>
+        </p:nvSpPr>
+        <p:spPr>
+          <a:xfrm>
+            <a:off x="1798955" y="1053465"/>
             <a:ext cx="3016250" cy="209550"/>
           </a:xfrm>
           <a:prstGeom prst="rect">
@@ -10295,7 +10295,7 @@
                   <a:schemeClr val="tx1"/>
                 </a:solidFill>
               </a:rPr>
-              <a:t>人数</a:t>
+              <a:t>报名截止时间</a:t>
             </a:r>
             <a:endParaRPr lang="zh-CN" altLang="en-US" sz="1000">
               <a:solidFill>
@@ -10307,13 +10307,13 @@
       </p:sp>
       <p:sp>
         <p:nvSpPr>
-          <p:cNvPr id="56" name="矩形 55"/>
-          <p:cNvSpPr/>
-          <p:nvPr/>
-        </p:nvSpPr>
-        <p:spPr>
-          <a:xfrm>
-            <a:off x="1798955" y="1053465"/>
+          <p:cNvPr id="57" name="矩形 56"/>
+          <p:cNvSpPr/>
+          <p:nvPr/>
+        </p:nvSpPr>
+        <p:spPr>
+          <a:xfrm>
+            <a:off x="1797685" y="5346065"/>
             <a:ext cx="3016250" cy="209550"/>
           </a:xfrm>
           <a:prstGeom prst="rect">
@@ -10351,14 +10351,14 @@
           <a:p>
             <a:pPr algn="ctr"/>
             <a:r>
-              <a:rPr lang="zh-CN" altLang="en-US" sz="1000">
+              <a:rPr lang="zh-CN" sz="1000">
                 <a:solidFill>
                   <a:schemeClr val="tx1"/>
                 </a:solidFill>
               </a:rPr>
-              <a:t>报名截止时间</a:t>
-            </a:r>
-            <a:endParaRPr lang="zh-CN" altLang="en-US" sz="1000">
+              <a:t>房费</a:t>
+            </a:r>
+            <a:endParaRPr lang="zh-CN" sz="1000">
               <a:solidFill>
                 <a:schemeClr val="tx1"/>
               </a:solidFill>
@@ -10368,13 +10368,13 @@
       </p:sp>
       <p:sp>
         <p:nvSpPr>
-          <p:cNvPr id="57" name="矩形 56"/>
-          <p:cNvSpPr/>
-          <p:nvPr/>
-        </p:nvSpPr>
-        <p:spPr>
-          <a:xfrm>
-            <a:off x="1797685" y="5271770"/>
+          <p:cNvPr id="58" name="矩形 57"/>
+          <p:cNvSpPr/>
+          <p:nvPr/>
+        </p:nvSpPr>
+        <p:spPr>
+          <a:xfrm>
+            <a:off x="1797685" y="5580380"/>
             <a:ext cx="3016250" cy="209550"/>
           </a:xfrm>
           <a:prstGeom prst="rect">
@@ -10417,7 +10417,7 @@
                   <a:schemeClr val="tx1"/>
                 </a:solidFill>
               </a:rPr>
-              <a:t>房费</a:t>
+              <a:t>其他费用</a:t>
             </a:r>
             <a:endParaRPr lang="zh-CN" sz="1000">
               <a:solidFill>
@@ -10429,13 +10429,67 @@
       </p:sp>
       <p:sp>
         <p:nvSpPr>
-          <p:cNvPr id="58" name="矩形 57"/>
-          <p:cNvSpPr/>
-          <p:nvPr/>
-        </p:nvSpPr>
-        <p:spPr>
-          <a:xfrm>
-            <a:off x="1797685" y="5506085"/>
+          <p:cNvPr id="59" name="矩形 58"/>
+          <p:cNvSpPr/>
+          <p:nvPr/>
+        </p:nvSpPr>
+        <p:spPr>
+          <a:xfrm>
+            <a:off x="1789430" y="5140960"/>
+            <a:ext cx="811530" cy="205105"/>
+          </a:xfrm>
+          <a:prstGeom prst="rect">
+            <a:avLst/>
+          </a:prstGeom>
+          <a:ln>
+            <a:noFill/>
+          </a:ln>
+        </p:spPr>
+        <p:style>
+          <a:lnRef idx="2">
+            <a:schemeClr val="accent1">
+              <a:shade val="50000"/>
+            </a:schemeClr>
+          </a:lnRef>
+          <a:fillRef idx="1">
+            <a:schemeClr val="accent1"/>
+          </a:fillRef>
+          <a:effectRef idx="0">
+            <a:schemeClr val="accent1"/>
+          </a:effectRef>
+          <a:fontRef idx="minor">
+            <a:schemeClr val="lt1"/>
+          </a:fontRef>
+        </p:style>
+        <p:txBody>
+          <a:bodyPr rtlCol="0" anchor="ctr"/>
+          <a:p>
+            <a:pPr algn="ctr"/>
+            <a:r>
+              <a:rPr lang="zh-CN" altLang="en-US" sz="900">
+                <a:solidFill>
+                  <a:schemeClr val="bg1"/>
+                </a:solidFill>
+              </a:rPr>
+              <a:t>财务信息</a:t>
+            </a:r>
+            <a:endParaRPr lang="zh-CN" altLang="en-US" sz="900">
+              <a:solidFill>
+                <a:schemeClr val="bg1"/>
+              </a:solidFill>
+            </a:endParaRPr>
+          </a:p>
+        </p:txBody>
+      </p:sp>
+      <p:sp>
+        <p:nvSpPr>
+          <p:cNvPr id="60" name="矩形 59"/>
+          <p:cNvSpPr/>
+          <p:nvPr/>
+        </p:nvSpPr>
+        <p:spPr>
+          <a:xfrm>
+            <a:off x="1797685" y="5816600"/>
             <a:ext cx="3016250" cy="209550"/>
           </a:xfrm>
           <a:prstGeom prst="rect">
@@ -10473,14 +10527,14 @@
           <a:p>
             <a:pPr algn="ctr"/>
             <a:r>
-              <a:rPr lang="zh-CN" sz="1000">
+              <a:rPr lang="zh-CN" altLang="en-US" sz="1000">
                 <a:solidFill>
                   <a:schemeClr val="tx1"/>
                 </a:solidFill>
               </a:rPr>
-              <a:t>其他费用</a:t>
-            </a:r>
-            <a:endParaRPr lang="zh-CN" sz="1000">
+              <a:t>总费用</a:t>
+            </a:r>
+            <a:endParaRPr lang="zh-CN" altLang="en-US" sz="1000">
               <a:solidFill>
                 <a:schemeClr val="tx1"/>
               </a:solidFill>
@@ -10490,14 +10544,14 @@
       </p:sp>
       <p:sp>
         <p:nvSpPr>
-          <p:cNvPr id="59" name="矩形 58"/>
-          <p:cNvSpPr/>
-          <p:nvPr/>
-        </p:nvSpPr>
-        <p:spPr>
-          <a:xfrm>
-            <a:off x="1789430" y="5066665"/>
-            <a:ext cx="811530" cy="205105"/>
+          <p:cNvPr id="61" name="矩形 60"/>
+          <p:cNvSpPr/>
+          <p:nvPr/>
+        </p:nvSpPr>
+        <p:spPr>
+          <a:xfrm>
+            <a:off x="1800225" y="6366510"/>
+            <a:ext cx="491490" cy="283210"/>
           </a:xfrm>
           <a:prstGeom prst="rect">
             <a:avLst/>
@@ -10527,14 +10581,14 @@
           <a:p>
             <a:pPr algn="ctr"/>
             <a:r>
-              <a:rPr lang="zh-CN" altLang="en-US" sz="900">
+              <a:rPr lang="zh-CN" altLang="en-US" sz="1200">
                 <a:solidFill>
                   <a:schemeClr val="bg1"/>
                 </a:solidFill>
               </a:rPr>
-              <a:t>财务信息</a:t>
-            </a:r>
-            <a:endParaRPr lang="zh-CN" altLang="en-US" sz="900">
+              <a:t>车辆</a:t>
+            </a:r>
+            <a:endParaRPr lang="zh-CN" altLang="en-US" sz="1200">
               <a:solidFill>
                 <a:schemeClr val="bg1"/>
               </a:solidFill>
@@ -10544,75 +10598,14 @@
       </p:sp>
       <p:sp>
         <p:nvSpPr>
-          <p:cNvPr id="60" name="矩形 59"/>
-          <p:cNvSpPr/>
-          <p:nvPr/>
-        </p:nvSpPr>
-        <p:spPr>
-          <a:xfrm>
-            <a:off x="1797685" y="5742305"/>
-            <a:ext cx="3016250" cy="209550"/>
-          </a:xfrm>
-          <a:prstGeom prst="rect">
-            <a:avLst/>
-          </a:prstGeom>
-          <a:noFill/>
-          <a:extLst>
-            <a:ext uri="{909E8E84-426E-40DD-AFC4-6F175D3DCCD1}">
-              <a14:hiddenFill xmlns:a14="http://schemas.microsoft.com/office/drawing/2010/main">
-                <a:solidFill>
-                  <a:schemeClr val="accent1"/>
-                </a:solidFill>
-              </a14:hiddenFill>
-            </a:ext>
-          </a:extLst>
-        </p:spPr>
-        <p:style>
-          <a:lnRef idx="2">
-            <a:schemeClr val="accent1">
-              <a:shade val="50000"/>
-            </a:schemeClr>
-          </a:lnRef>
-          <a:fillRef idx="1">
-            <a:schemeClr val="accent1"/>
-          </a:fillRef>
-          <a:effectRef idx="0">
-            <a:schemeClr val="accent1"/>
-          </a:effectRef>
-          <a:fontRef idx="minor">
-            <a:schemeClr val="lt1"/>
-          </a:fontRef>
-        </p:style>
-        <p:txBody>
-          <a:bodyPr rtlCol="0" anchor="ctr"/>
-          <a:p>
-            <a:pPr algn="ctr"/>
-            <a:r>
-              <a:rPr lang="zh-CN" altLang="en-US" sz="1000">
-                <a:solidFill>
-                  <a:schemeClr val="tx1"/>
-                </a:solidFill>
-              </a:rPr>
-              <a:t>总费用</a:t>
-            </a:r>
-            <a:endParaRPr lang="zh-CN" altLang="en-US" sz="1000">
-              <a:solidFill>
-                <a:schemeClr val="tx1"/>
-              </a:solidFill>
-            </a:endParaRPr>
-          </a:p>
-        </p:txBody>
-      </p:sp>
-      <p:sp>
-        <p:nvSpPr>
-          <p:cNvPr id="61" name="矩形 60"/>
-          <p:cNvSpPr/>
-          <p:nvPr/>
-        </p:nvSpPr>
-        <p:spPr>
-          <a:xfrm>
-            <a:off x="1800225" y="6341745"/>
-            <a:ext cx="491490" cy="283210"/>
+          <p:cNvPr id="63" name="矩形 62"/>
+          <p:cNvSpPr/>
+          <p:nvPr/>
+        </p:nvSpPr>
+        <p:spPr>
+          <a:xfrm>
+            <a:off x="2472690" y="6366510"/>
+            <a:ext cx="937260" cy="283210"/>
           </a:xfrm>
           <a:prstGeom prst="rect">
             <a:avLst/>
@@ -10647,7 +10640,7 @@
                   <a:schemeClr val="bg1"/>
                 </a:solidFill>
               </a:rPr>
-              <a:t>车辆</a:t>
+              <a:t>酒店房间</a:t>
             </a:r>
             <a:endParaRPr lang="zh-CN" altLang="en-US" sz="1200">
               <a:solidFill>
@@ -10659,14 +10652,14 @@
       </p:sp>
       <p:sp>
         <p:nvSpPr>
-          <p:cNvPr id="63" name="矩形 62"/>
-          <p:cNvSpPr/>
-          <p:nvPr/>
-        </p:nvSpPr>
-        <p:spPr>
-          <a:xfrm>
-            <a:off x="2472690" y="6341745"/>
-            <a:ext cx="937260" cy="283210"/>
+          <p:cNvPr id="64" name="矩形 63"/>
+          <p:cNvSpPr/>
+          <p:nvPr/>
+        </p:nvSpPr>
+        <p:spPr>
+          <a:xfrm>
+            <a:off x="3554095" y="6366510"/>
+            <a:ext cx="655955" cy="283210"/>
           </a:xfrm>
           <a:prstGeom prst="rect">
             <a:avLst/>
@@ -10701,7 +10694,7 @@
                   <a:schemeClr val="bg1"/>
                 </a:solidFill>
               </a:rPr>
-              <a:t>酒店房间</a:t>
+              <a:t>出发点</a:t>
             </a:r>
             <a:endParaRPr lang="zh-CN" altLang="en-US" sz="1200">
               <a:solidFill>
@@ -10713,14 +10706,14 @@
       </p:sp>
       <p:sp>
         <p:nvSpPr>
-          <p:cNvPr id="64" name="矩形 63"/>
-          <p:cNvSpPr/>
-          <p:nvPr/>
-        </p:nvSpPr>
-        <p:spPr>
-          <a:xfrm>
-            <a:off x="3554095" y="6341745"/>
-            <a:ext cx="655955" cy="283210"/>
+          <p:cNvPr id="65" name="矩形 64"/>
+          <p:cNvSpPr/>
+          <p:nvPr/>
+        </p:nvSpPr>
+        <p:spPr>
+          <a:xfrm>
+            <a:off x="4316730" y="6366510"/>
+            <a:ext cx="489585" cy="283210"/>
           </a:xfrm>
           <a:prstGeom prst="rect">
             <a:avLst/>
@@ -10755,7 +10748,7 @@
                   <a:schemeClr val="bg1"/>
                 </a:solidFill>
               </a:rPr>
-              <a:t>出发点</a:t>
+              <a:t>考点</a:t>
             </a:r>
             <a:endParaRPr lang="zh-CN" altLang="en-US" sz="1200">
               <a:solidFill>
@@ -10767,67 +10760,13 @@
       </p:sp>
       <p:sp>
         <p:nvSpPr>
-          <p:cNvPr id="65" name="矩形 64"/>
-          <p:cNvSpPr/>
-          <p:nvPr/>
-        </p:nvSpPr>
-        <p:spPr>
-          <a:xfrm>
-            <a:off x="4316730" y="6341745"/>
-            <a:ext cx="489585" cy="283210"/>
-          </a:xfrm>
-          <a:prstGeom prst="rect">
-            <a:avLst/>
-          </a:prstGeom>
-          <a:ln>
-            <a:noFill/>
-          </a:ln>
-        </p:spPr>
-        <p:style>
-          <a:lnRef idx="2">
-            <a:schemeClr val="accent1">
-              <a:shade val="50000"/>
-            </a:schemeClr>
-          </a:lnRef>
-          <a:fillRef idx="1">
-            <a:schemeClr val="accent1"/>
-          </a:fillRef>
-          <a:effectRef idx="0">
-            <a:schemeClr val="accent1"/>
-          </a:effectRef>
-          <a:fontRef idx="minor">
-            <a:schemeClr val="lt1"/>
-          </a:fontRef>
-        </p:style>
-        <p:txBody>
-          <a:bodyPr rtlCol="0" anchor="ctr"/>
-          <a:p>
-            <a:pPr algn="ctr"/>
-            <a:r>
-              <a:rPr lang="zh-CN" altLang="en-US" sz="1200">
-                <a:solidFill>
-                  <a:schemeClr val="bg1"/>
-                </a:solidFill>
-              </a:rPr>
-              <a:t>考点</a:t>
-            </a:r>
-            <a:endParaRPr lang="zh-CN" altLang="en-US" sz="1200">
-              <a:solidFill>
-                <a:schemeClr val="bg1"/>
-              </a:solidFill>
-            </a:endParaRPr>
-          </a:p>
-        </p:txBody>
-      </p:sp>
-      <p:sp>
-        <p:nvSpPr>
           <p:cNvPr id="8" name="矩形 7"/>
           <p:cNvSpPr/>
           <p:nvPr/>
         </p:nvSpPr>
         <p:spPr>
           <a:xfrm>
-            <a:off x="1640205" y="4486910"/>
+            <a:off x="1640205" y="4618990"/>
             <a:ext cx="3311525" cy="510540"/>
           </a:xfrm>
           <a:prstGeom prst="rect">
@@ -10881,7 +10820,7 @@
         </p:nvSpPr>
         <p:spPr>
           <a:xfrm>
-            <a:off x="5819775" y="4492625"/>
+            <a:off x="5819775" y="4618990"/>
             <a:ext cx="802640" cy="499110"/>
           </a:xfrm>
           <a:prstGeom prst="rect">
@@ -10950,8 +10889,8 @@
         </p:nvCxnSpPr>
         <p:spPr>
           <a:xfrm flipH="1">
-            <a:off x="4951730" y="4742180"/>
-            <a:ext cx="868045" cy="0"/>
+            <a:off x="4951730" y="4868545"/>
+            <a:ext cx="868045" cy="5715"/>
           </a:xfrm>
           <a:prstGeom prst="straightConnector1">
             <a:avLst/>
@@ -11040,7 +10979,7 @@
         </p:nvSpPr>
         <p:spPr>
           <a:xfrm>
-            <a:off x="1800225" y="3371215"/>
+            <a:off x="1802130" y="2448560"/>
             <a:ext cx="3016250" cy="209550"/>
           </a:xfrm>
           <a:prstGeom prst="rect">
@@ -11101,7 +11040,7 @@
         </p:nvSpPr>
         <p:spPr>
           <a:xfrm>
-            <a:off x="5700395" y="3780155"/>
+            <a:off x="5631815" y="3912235"/>
             <a:ext cx="1041400" cy="508000"/>
           </a:xfrm>
           <a:prstGeom prst="rect">
@@ -11170,8 +11109,8 @@
         </p:nvCxnSpPr>
         <p:spPr>
           <a:xfrm flipH="1">
-            <a:off x="4964430" y="4034155"/>
-            <a:ext cx="735965" cy="0"/>
+            <a:off x="4964430" y="4166235"/>
+            <a:ext cx="667385" cy="0"/>
           </a:xfrm>
           <a:prstGeom prst="straightConnector1">
             <a:avLst/>
@@ -11203,7 +11142,7 @@
         </p:nvSpPr>
         <p:spPr>
           <a:xfrm>
-            <a:off x="1652905" y="3662680"/>
+            <a:off x="1652905" y="3794760"/>
             <a:ext cx="3311525" cy="742950"/>
           </a:xfrm>
           <a:prstGeom prst="rect">
@@ -11249,6 +11188,216 @@
           </a:p>
         </p:txBody>
       </p:sp>
+      <p:sp>
+        <p:nvSpPr>
+          <p:cNvPr id="15" name="矩形 14"/>
+          <p:cNvSpPr/>
+          <p:nvPr/>
+        </p:nvSpPr>
+        <p:spPr>
+          <a:xfrm>
+            <a:off x="1795145" y="2775585"/>
+            <a:ext cx="798195" cy="205105"/>
+          </a:xfrm>
+          <a:prstGeom prst="rect">
+            <a:avLst/>
+          </a:prstGeom>
+          <a:ln>
+            <a:noFill/>
+          </a:ln>
+        </p:spPr>
+        <p:style>
+          <a:lnRef idx="2">
+            <a:schemeClr val="accent1">
+              <a:shade val="50000"/>
+            </a:schemeClr>
+          </a:lnRef>
+          <a:fillRef idx="1">
+            <a:schemeClr val="accent1"/>
+          </a:fillRef>
+          <a:effectRef idx="0">
+            <a:schemeClr val="accent1"/>
+          </a:effectRef>
+          <a:fontRef idx="minor">
+            <a:schemeClr val="lt1"/>
+          </a:fontRef>
+        </p:style>
+        <p:txBody>
+          <a:bodyPr rtlCol="0" anchor="ctr"/>
+          <a:p>
+            <a:pPr algn="ctr"/>
+            <a:r>
+              <a:rPr lang="zh-CN" altLang="en-US" sz="900">
+                <a:solidFill>
+                  <a:schemeClr val="bg1"/>
+                </a:solidFill>
+              </a:rPr>
+              <a:t>出发点信息</a:t>
+            </a:r>
+            <a:endParaRPr lang="zh-CN" altLang="en-US" sz="900">
+              <a:solidFill>
+                <a:schemeClr val="bg1"/>
+              </a:solidFill>
+            </a:endParaRPr>
+          </a:p>
+        </p:txBody>
+      </p:sp>
+      <p:sp>
+        <p:nvSpPr>
+          <p:cNvPr id="16" name="矩形 15"/>
+          <p:cNvSpPr/>
+          <p:nvPr/>
+        </p:nvSpPr>
+        <p:spPr>
+          <a:xfrm>
+            <a:off x="1664335" y="2736850"/>
+            <a:ext cx="3311525" cy="978535"/>
+          </a:xfrm>
+          <a:prstGeom prst="rect">
+            <a:avLst/>
+          </a:prstGeom>
+          <a:noFill/>
+          <a:ln>
+            <a:solidFill>
+              <a:srgbClr val="FF0000"/>
+            </a:solidFill>
+          </a:ln>
+          <a:extLst>
+            <a:ext uri="{909E8E84-426E-40DD-AFC4-6F175D3DCCD1}">
+              <a14:hiddenFill xmlns:a14="http://schemas.microsoft.com/office/drawing/2010/main">
+                <a:solidFill>
+                  <a:schemeClr val="accent1"/>
+                </a:solidFill>
+              </a14:hiddenFill>
+            </a:ext>
+          </a:extLst>
+        </p:spPr>
+        <p:style>
+          <a:lnRef idx="2">
+            <a:schemeClr val="accent1">
+              <a:shade val="50000"/>
+            </a:schemeClr>
+          </a:lnRef>
+          <a:fillRef idx="1">
+            <a:schemeClr val="accent1"/>
+          </a:fillRef>
+          <a:effectRef idx="0">
+            <a:schemeClr val="accent1"/>
+          </a:effectRef>
+          <a:fontRef idx="minor">
+            <a:schemeClr val="lt1"/>
+          </a:fontRef>
+        </p:style>
+        <p:txBody>
+          <a:bodyPr rtlCol="0" anchor="ctr"/>
+          <a:p>
+            <a:pPr algn="ctr"/>
+            <a:endParaRPr lang="zh-CN" altLang="en-US"/>
+          </a:p>
+        </p:txBody>
+      </p:sp>
+      <p:sp>
+        <p:nvSpPr>
+          <p:cNvPr id="17" name="矩形 16"/>
+          <p:cNvSpPr/>
+          <p:nvPr/>
+        </p:nvSpPr>
+        <p:spPr>
+          <a:xfrm>
+            <a:off x="5819775" y="3096895"/>
+            <a:ext cx="802640" cy="499110"/>
+          </a:xfrm>
+          <a:prstGeom prst="rect">
+            <a:avLst/>
+          </a:prstGeom>
+          <a:noFill/>
+          <a:ln>
+            <a:solidFill>
+              <a:srgbClr val="FF0000"/>
+            </a:solidFill>
+          </a:ln>
+          <a:extLst>
+            <a:ext uri="{909E8E84-426E-40DD-AFC4-6F175D3DCCD1}">
+              <a14:hiddenFill xmlns:a14="http://schemas.microsoft.com/office/drawing/2010/main">
+                <a:solidFill>
+                  <a:schemeClr val="accent1"/>
+                </a:solidFill>
+              </a14:hiddenFill>
+            </a:ext>
+          </a:extLst>
+        </p:spPr>
+        <p:style>
+          <a:lnRef idx="2">
+            <a:schemeClr val="accent1">
+              <a:shade val="50000"/>
+            </a:schemeClr>
+          </a:lnRef>
+          <a:fillRef idx="1">
+            <a:schemeClr val="accent1"/>
+          </a:fillRef>
+          <a:effectRef idx="0">
+            <a:schemeClr val="accent1"/>
+          </a:effectRef>
+          <a:fontRef idx="minor">
+            <a:schemeClr val="lt1"/>
+          </a:fontRef>
+        </p:style>
+        <p:txBody>
+          <a:bodyPr rtlCol="0" anchor="ctr"/>
+          <a:p>
+            <a:pPr algn="ctr"/>
+            <a:r>
+              <a:rPr lang="zh-CN" sz="2000">
+                <a:solidFill>
+                  <a:srgbClr val="FF0000"/>
+                </a:solidFill>
+              </a:rPr>
+              <a:t>多个</a:t>
+            </a:r>
+            <a:endParaRPr lang="zh-CN" sz="2000">
+              <a:solidFill>
+                <a:srgbClr val="FF0000"/>
+              </a:solidFill>
+            </a:endParaRPr>
+          </a:p>
+        </p:txBody>
+      </p:sp>
+      <p:cxnSp>
+        <p:nvCxnSpPr>
+          <p:cNvPr id="18" name="直接箭头连接符 17"/>
+          <p:cNvCxnSpPr>
+            <a:stCxn id="17" idx="1"/>
+            <a:endCxn id="16" idx="3"/>
+          </p:cNvCxnSpPr>
+          <p:nvPr/>
+        </p:nvCxnSpPr>
+        <p:spPr>
+          <a:xfrm flipH="1" flipV="1">
+            <a:off x="4975860" y="3226435"/>
+            <a:ext cx="843915" cy="120015"/>
+          </a:xfrm>
+          <a:prstGeom prst="straightConnector1">
+            <a:avLst/>
+          </a:prstGeom>
+          <a:ln>
+            <a:tailEnd type="arrow" w="med" len="med"/>
+          </a:ln>
+        </p:spPr>
+        <p:style>
+          <a:lnRef idx="2">
+            <a:schemeClr val="accent6"/>
+          </a:lnRef>
+          <a:fillRef idx="0">
+            <a:schemeClr val="accent6"/>
+          </a:fillRef>
+          <a:effectRef idx="1">
+            <a:schemeClr val="accent6"/>
+          </a:effectRef>
+          <a:fontRef idx="minor">
+            <a:schemeClr val="tx1"/>
+          </a:fontRef>
+        </p:style>
+      </p:cxnSp>
     </p:spTree>
     <p:custDataLst>
       <p:tags r:id="rId1"/>
@@ -11987,7 +12136,7 @@
         </p:nvSpPr>
         <p:spPr>
           <a:xfrm>
-            <a:off x="527050" y="1048385"/>
+            <a:off x="527050" y="1056640"/>
             <a:ext cx="3016250" cy="209550"/>
           </a:xfrm>
           <a:prstGeom prst="rect">
@@ -19700,65 +19849,8 @@
         </p:nvSpPr>
         <p:spPr>
           <a:xfrm>
-            <a:off x="64770" y="6327775"/>
-            <a:ext cx="2874645" cy="432435"/>
-          </a:xfrm>
-          <a:prstGeom prst="rect">
-            <a:avLst/>
-          </a:prstGeom>
-          <a:solidFill>
-            <a:srgbClr val="00B050"/>
-          </a:solidFill>
-          <a:ln>
-            <a:noFill/>
-          </a:ln>
-        </p:spPr>
-        <p:style>
-          <a:lnRef idx="2">
-            <a:schemeClr val="accent1">
-              <a:shade val="50000"/>
-            </a:schemeClr>
-          </a:lnRef>
-          <a:fillRef idx="1">
-            <a:schemeClr val="accent1"/>
-          </a:fillRef>
-          <a:effectRef idx="0">
-            <a:schemeClr val="accent1"/>
-          </a:effectRef>
-          <a:fontRef idx="minor">
-            <a:schemeClr val="lt1"/>
-          </a:fontRef>
-        </p:style>
-        <p:txBody>
-          <a:bodyPr rtlCol="0" anchor="ctr"/>
-          <a:p>
-            <a:pPr algn="ctr"/>
-            <a:r>
-              <a:rPr lang="zh-CN" altLang="en-US">
-                <a:solidFill>
-                  <a:schemeClr val="bg1"/>
-                </a:solidFill>
-              </a:rPr>
-              <a:t>发送提醒</a:t>
-            </a:r>
-            <a:endParaRPr lang="zh-CN" altLang="en-US">
-              <a:solidFill>
-                <a:schemeClr val="bg1"/>
-              </a:solidFill>
-            </a:endParaRPr>
-          </a:p>
-        </p:txBody>
-      </p:sp>
-      <p:sp>
-        <p:nvSpPr>
-          <p:cNvPr id="121" name="矩形 120"/>
-          <p:cNvSpPr/>
-          <p:nvPr/>
-        </p:nvSpPr>
-        <p:spPr>
-          <a:xfrm>
-            <a:off x="3018790" y="6327775"/>
-            <a:ext cx="2901315" cy="432435"/>
+            <a:off x="1564640" y="6327775"/>
+            <a:ext cx="1374775" cy="432435"/>
           </a:xfrm>
           <a:prstGeom prst="rect">
             <a:avLst/>
@@ -20579,6 +20671,181 @@
           </a:fontRef>
         </p:style>
       </p:cxnSp>
+      <p:sp>
+        <p:nvSpPr>
+          <p:cNvPr id="5" name="矩形 4"/>
+          <p:cNvSpPr/>
+          <p:nvPr/>
+        </p:nvSpPr>
+        <p:spPr>
+          <a:xfrm>
+            <a:off x="71120" y="6327775"/>
+            <a:ext cx="1432560" cy="432435"/>
+          </a:xfrm>
+          <a:prstGeom prst="rect">
+            <a:avLst/>
+          </a:prstGeom>
+          <a:solidFill>
+            <a:schemeClr val="accent1">
+              <a:lumMod val="75000"/>
+            </a:schemeClr>
+          </a:solidFill>
+          <a:ln>
+            <a:noFill/>
+          </a:ln>
+        </p:spPr>
+        <p:style>
+          <a:lnRef idx="2">
+            <a:schemeClr val="accent1">
+              <a:shade val="50000"/>
+            </a:schemeClr>
+          </a:lnRef>
+          <a:fillRef idx="1">
+            <a:schemeClr val="accent1"/>
+          </a:fillRef>
+          <a:effectRef idx="0">
+            <a:schemeClr val="accent1"/>
+          </a:effectRef>
+          <a:fontRef idx="minor">
+            <a:schemeClr val="lt1"/>
+          </a:fontRef>
+        </p:style>
+        <p:txBody>
+          <a:bodyPr rtlCol="0" anchor="ctr"/>
+          <a:p>
+            <a:pPr algn="ctr"/>
+            <a:r>
+              <a:rPr lang="zh-CN" altLang="en-US">
+                <a:solidFill>
+                  <a:schemeClr val="bg1"/>
+                </a:solidFill>
+              </a:rPr>
+              <a:t>自动分配</a:t>
+            </a:r>
+            <a:endParaRPr lang="zh-CN" altLang="en-US">
+              <a:solidFill>
+                <a:schemeClr val="bg1"/>
+              </a:solidFill>
+            </a:endParaRPr>
+          </a:p>
+        </p:txBody>
+      </p:sp>
+      <p:sp>
+        <p:nvSpPr>
+          <p:cNvPr id="7" name="矩形 6"/>
+          <p:cNvSpPr/>
+          <p:nvPr/>
+        </p:nvSpPr>
+        <p:spPr>
+          <a:xfrm>
+            <a:off x="4542790" y="6327775"/>
+            <a:ext cx="1374775" cy="432435"/>
+          </a:xfrm>
+          <a:prstGeom prst="rect">
+            <a:avLst/>
+          </a:prstGeom>
+          <a:solidFill>
+            <a:srgbClr val="00B050"/>
+          </a:solidFill>
+          <a:ln>
+            <a:noFill/>
+          </a:ln>
+        </p:spPr>
+        <p:style>
+          <a:lnRef idx="2">
+            <a:schemeClr val="accent1">
+              <a:shade val="50000"/>
+            </a:schemeClr>
+          </a:lnRef>
+          <a:fillRef idx="1">
+            <a:schemeClr val="accent1"/>
+          </a:fillRef>
+          <a:effectRef idx="0">
+            <a:schemeClr val="accent1"/>
+          </a:effectRef>
+          <a:fontRef idx="minor">
+            <a:schemeClr val="lt1"/>
+          </a:fontRef>
+        </p:style>
+        <p:txBody>
+          <a:bodyPr rtlCol="0" anchor="ctr"/>
+          <a:p>
+            <a:pPr algn="ctr"/>
+            <a:r>
+              <a:rPr lang="zh-CN" altLang="en-US">
+                <a:solidFill>
+                  <a:schemeClr val="bg1"/>
+                </a:solidFill>
+              </a:rPr>
+              <a:t>发送提醒</a:t>
+            </a:r>
+            <a:endParaRPr lang="zh-CN" altLang="en-US">
+              <a:solidFill>
+                <a:schemeClr val="bg1"/>
+              </a:solidFill>
+            </a:endParaRPr>
+          </a:p>
+        </p:txBody>
+      </p:sp>
+      <p:sp>
+        <p:nvSpPr>
+          <p:cNvPr id="8" name="矩形 7"/>
+          <p:cNvSpPr/>
+          <p:nvPr/>
+        </p:nvSpPr>
+        <p:spPr>
+          <a:xfrm>
+            <a:off x="3049270" y="6327775"/>
+            <a:ext cx="1432560" cy="432435"/>
+          </a:xfrm>
+          <a:prstGeom prst="rect">
+            <a:avLst/>
+          </a:prstGeom>
+          <a:solidFill>
+            <a:schemeClr val="accent1">
+              <a:lumMod val="75000"/>
+            </a:schemeClr>
+          </a:solidFill>
+          <a:ln>
+            <a:noFill/>
+          </a:ln>
+        </p:spPr>
+        <p:style>
+          <a:lnRef idx="2">
+            <a:schemeClr val="accent1">
+              <a:shade val="50000"/>
+            </a:schemeClr>
+          </a:lnRef>
+          <a:fillRef idx="1">
+            <a:schemeClr val="accent1"/>
+          </a:fillRef>
+          <a:effectRef idx="0">
+            <a:schemeClr val="accent1"/>
+          </a:effectRef>
+          <a:fontRef idx="minor">
+            <a:schemeClr val="lt1"/>
+          </a:fontRef>
+        </p:style>
+        <p:txBody>
+          <a:bodyPr rtlCol="0" anchor="ctr"/>
+          <a:p>
+            <a:pPr algn="ctr"/>
+            <a:r>
+              <a:rPr lang="zh-CN" altLang="en-US">
+                <a:solidFill>
+                  <a:schemeClr val="bg1"/>
+                </a:solidFill>
+              </a:rPr>
+              <a:t>自动分配</a:t>
+            </a:r>
+            <a:endParaRPr lang="zh-CN" altLang="en-US">
+              <a:solidFill>
+                <a:schemeClr val="bg1"/>
+              </a:solidFill>
+            </a:endParaRPr>
+          </a:p>
+        </p:txBody>
+      </p:sp>
     </p:spTree>
     <p:custDataLst>
       <p:tags r:id="rId1"/>
@@ -21520,7 +21787,7 @@
         </p:nvSpPr>
         <p:spPr>
           <a:xfrm>
-            <a:off x="3143250" y="6328410"/>
+            <a:off x="3186430" y="5972810"/>
             <a:ext cx="2634615" cy="354965"/>
           </a:xfrm>
           <a:prstGeom prst="rect">
@@ -21577,7 +21844,7 @@
         </p:nvSpPr>
         <p:spPr>
           <a:xfrm>
-            <a:off x="3093085" y="549910"/>
+            <a:off x="3093085" y="937895"/>
             <a:ext cx="2721610" cy="339090"/>
           </a:xfrm>
           <a:prstGeom prst="rect">
@@ -21638,7 +21905,7 @@
         </p:nvSpPr>
         <p:spPr>
           <a:xfrm>
-            <a:off x="3099435" y="946150"/>
+            <a:off x="3099435" y="1334135"/>
             <a:ext cx="2721610" cy="339090"/>
           </a:xfrm>
           <a:prstGeom prst="rect">
@@ -21699,7 +21966,7 @@
         </p:nvSpPr>
         <p:spPr>
           <a:xfrm>
-            <a:off x="3093085" y="1373505"/>
+            <a:off x="3093085" y="1761490"/>
             <a:ext cx="2721610" cy="339090"/>
           </a:xfrm>
           <a:prstGeom prst="rect">
@@ -21760,7 +22027,7 @@
         </p:nvSpPr>
         <p:spPr>
           <a:xfrm>
-            <a:off x="3093085" y="1800225"/>
+            <a:off x="3093085" y="2188210"/>
             <a:ext cx="2721610" cy="339090"/>
           </a:xfrm>
           <a:prstGeom prst="rect">
@@ -21808,6 +22075,124 @@
             <a:endParaRPr lang="zh-CN" sz="1000">
               <a:solidFill>
                 <a:schemeClr val="tx1"/>
+              </a:solidFill>
+            </a:endParaRPr>
+          </a:p>
+        </p:txBody>
+      </p:sp>
+      <p:sp>
+        <p:nvSpPr>
+          <p:cNvPr id="5" name="矩形 4"/>
+          <p:cNvSpPr/>
+          <p:nvPr/>
+        </p:nvSpPr>
+        <p:spPr>
+          <a:xfrm>
+            <a:off x="3100070" y="530225"/>
+            <a:ext cx="2721610" cy="339090"/>
+          </a:xfrm>
+          <a:prstGeom prst="rect">
+            <a:avLst/>
+          </a:prstGeom>
+          <a:noFill/>
+          <a:extLst>
+            <a:ext uri="{909E8E84-426E-40DD-AFC4-6F175D3DCCD1}">
+              <a14:hiddenFill xmlns:a14="http://schemas.microsoft.com/office/drawing/2010/main">
+                <a:solidFill>
+                  <a:schemeClr val="accent1"/>
+                </a:solidFill>
+              </a14:hiddenFill>
+            </a:ext>
+          </a:extLst>
+        </p:spPr>
+        <p:style>
+          <a:lnRef idx="2">
+            <a:schemeClr val="accent1">
+              <a:shade val="50000"/>
+            </a:schemeClr>
+          </a:lnRef>
+          <a:fillRef idx="1">
+            <a:schemeClr val="accent1"/>
+          </a:fillRef>
+          <a:effectRef idx="0">
+            <a:schemeClr val="accent1"/>
+          </a:effectRef>
+          <a:fontRef idx="minor">
+            <a:schemeClr val="lt1"/>
+          </a:fontRef>
+        </p:style>
+        <p:txBody>
+          <a:bodyPr rtlCol="0" anchor="ctr"/>
+          <a:p>
+            <a:pPr algn="ctr"/>
+            <a:r>
+              <a:rPr lang="zh-CN" sz="1000">
+                <a:solidFill>
+                  <a:schemeClr val="tx1"/>
+                </a:solidFill>
+              </a:rPr>
+              <a:t>编号</a:t>
+            </a:r>
+            <a:endParaRPr lang="zh-CN" sz="1000">
+              <a:solidFill>
+                <a:schemeClr val="tx1"/>
+              </a:solidFill>
+            </a:endParaRPr>
+          </a:p>
+        </p:txBody>
+      </p:sp>
+      <p:sp>
+        <p:nvSpPr>
+          <p:cNvPr id="7" name="矩形 6"/>
+          <p:cNvSpPr/>
+          <p:nvPr/>
+        </p:nvSpPr>
+        <p:spPr>
+          <a:xfrm>
+            <a:off x="3186430" y="6403975"/>
+            <a:ext cx="2627630" cy="318135"/>
+          </a:xfrm>
+          <a:prstGeom prst="rect">
+            <a:avLst/>
+          </a:prstGeom>
+          <a:solidFill>
+            <a:srgbClr val="FF0000"/>
+          </a:solidFill>
+          <a:ln>
+            <a:noFill/>
+          </a:ln>
+        </p:spPr>
+        <p:style>
+          <a:lnRef idx="2">
+            <a:schemeClr val="accent1">
+              <a:shade val="50000"/>
+            </a:schemeClr>
+          </a:lnRef>
+          <a:fillRef idx="1">
+            <a:schemeClr val="accent1"/>
+          </a:fillRef>
+          <a:effectRef idx="0">
+            <a:schemeClr val="accent1"/>
+          </a:effectRef>
+          <a:fontRef idx="minor">
+            <a:schemeClr val="lt1"/>
+          </a:fontRef>
+        </p:style>
+        <p:txBody>
+          <a:bodyPr rtlCol="0" anchor="ctr"/>
+          <a:p>
+            <a:pPr algn="ctr"/>
+            <a:r>
+              <a:rPr lang="zh-CN" altLang="en-US">
+                <a:solidFill>
+                  <a:schemeClr val="bg1"/>
+                </a:solidFill>
+              </a:rPr>
+              <a:t>删除车辆</a:t>
+            </a:r>
+            <a:endParaRPr lang="zh-CN" altLang="en-US">
+              <a:solidFill>
+                <a:schemeClr val="bg1"/>
               </a:solidFill>
             </a:endParaRPr>
           </a:p>
@@ -21948,7 +22333,7 @@
         </p:nvSpPr>
         <p:spPr>
           <a:xfrm>
-            <a:off x="3143250" y="6328410"/>
+            <a:off x="3186430" y="6006465"/>
             <a:ext cx="2634615" cy="354965"/>
           </a:xfrm>
           <a:prstGeom prst="rect">
@@ -21987,7 +22372,7 @@
                   <a:schemeClr val="bg1"/>
                 </a:solidFill>
               </a:rPr>
-              <a:t>制作链接分享</a:t>
+              <a:t>确定，制作链接分享</a:t>
             </a:r>
             <a:endParaRPr lang="zh-CN" altLang="en-US">
               <a:solidFill>
@@ -24190,6 +24575,295 @@
           </a:fontRef>
         </p:style>
       </p:cxnSp>
+      <p:sp>
+        <p:nvSpPr>
+          <p:cNvPr id="2" name="矩形 1"/>
+          <p:cNvSpPr/>
+          <p:nvPr/>
+        </p:nvSpPr>
+        <p:spPr>
+          <a:xfrm>
+            <a:off x="3093085" y="1403985"/>
+            <a:ext cx="2721610" cy="339090"/>
+          </a:xfrm>
+          <a:prstGeom prst="rect">
+            <a:avLst/>
+          </a:prstGeom>
+          <a:noFill/>
+          <a:extLst>
+            <a:ext uri="{909E8E84-426E-40DD-AFC4-6F175D3DCCD1}">
+              <a14:hiddenFill xmlns:a14="http://schemas.microsoft.com/office/drawing/2010/main">
+                <a:solidFill>
+                  <a:schemeClr val="accent1"/>
+                </a:solidFill>
+              </a14:hiddenFill>
+            </a:ext>
+          </a:extLst>
+        </p:spPr>
+        <p:style>
+          <a:lnRef idx="2">
+            <a:schemeClr val="accent1">
+              <a:shade val="50000"/>
+            </a:schemeClr>
+          </a:lnRef>
+          <a:fillRef idx="1">
+            <a:schemeClr val="accent1"/>
+          </a:fillRef>
+          <a:effectRef idx="0">
+            <a:schemeClr val="accent1"/>
+          </a:effectRef>
+          <a:fontRef idx="minor">
+            <a:schemeClr val="lt1"/>
+          </a:fontRef>
+        </p:style>
+        <p:txBody>
+          <a:bodyPr rtlCol="0" anchor="ctr"/>
+          <a:p>
+            <a:pPr algn="ctr"/>
+            <a:r>
+              <a:rPr lang="zh-CN" sz="1000">
+                <a:solidFill>
+                  <a:schemeClr val="tx1"/>
+                </a:solidFill>
+              </a:rPr>
+              <a:t>链接</a:t>
+            </a:r>
+            <a:endParaRPr lang="zh-CN" sz="1000">
+              <a:solidFill>
+                <a:schemeClr val="tx1"/>
+              </a:solidFill>
+            </a:endParaRPr>
+          </a:p>
+        </p:txBody>
+      </p:sp>
+      <p:sp>
+        <p:nvSpPr>
+          <p:cNvPr id="3" name="矩形 2"/>
+          <p:cNvSpPr/>
+          <p:nvPr/>
+        </p:nvSpPr>
+        <p:spPr>
+          <a:xfrm>
+            <a:off x="2633345" y="1457960"/>
+            <a:ext cx="466090" cy="223520"/>
+          </a:xfrm>
+          <a:prstGeom prst="rect">
+            <a:avLst/>
+          </a:prstGeom>
+          <a:solidFill>
+            <a:srgbClr val="FF0000"/>
+          </a:solidFill>
+          <a:ln>
+            <a:noFill/>
+          </a:ln>
+        </p:spPr>
+        <p:style>
+          <a:lnRef idx="2">
+            <a:schemeClr val="accent1">
+              <a:shade val="50000"/>
+            </a:schemeClr>
+          </a:lnRef>
+          <a:fillRef idx="1">
+            <a:schemeClr val="accent1"/>
+          </a:fillRef>
+          <a:effectRef idx="0">
+            <a:schemeClr val="accent1"/>
+          </a:effectRef>
+          <a:fontRef idx="minor">
+            <a:schemeClr val="lt1"/>
+          </a:fontRef>
+        </p:style>
+        <p:txBody>
+          <a:bodyPr rtlCol="0" anchor="ctr"/>
+          <a:p>
+            <a:pPr algn="ctr"/>
+            <a:r>
+              <a:rPr lang="zh-CN" sz="1000">
+                <a:solidFill>
+                  <a:schemeClr val="bg1"/>
+                </a:solidFill>
+              </a:rPr>
+              <a:t>移除</a:t>
+            </a:r>
+            <a:endParaRPr lang="zh-CN" sz="1000">
+              <a:solidFill>
+                <a:schemeClr val="bg1"/>
+              </a:solidFill>
+            </a:endParaRPr>
+          </a:p>
+        </p:txBody>
+      </p:sp>
+      <p:sp>
+        <p:nvSpPr>
+          <p:cNvPr id="6" name="矩形 5"/>
+          <p:cNvSpPr/>
+          <p:nvPr/>
+        </p:nvSpPr>
+        <p:spPr>
+          <a:xfrm>
+            <a:off x="2633345" y="1830070"/>
+            <a:ext cx="466090" cy="223520"/>
+          </a:xfrm>
+          <a:prstGeom prst="rect">
+            <a:avLst/>
+          </a:prstGeom>
+          <a:solidFill>
+            <a:srgbClr val="FF0000"/>
+          </a:solidFill>
+          <a:ln>
+            <a:noFill/>
+          </a:ln>
+        </p:spPr>
+        <p:style>
+          <a:lnRef idx="2">
+            <a:schemeClr val="accent1">
+              <a:shade val="50000"/>
+            </a:schemeClr>
+          </a:lnRef>
+          <a:fillRef idx="1">
+            <a:schemeClr val="accent1"/>
+          </a:fillRef>
+          <a:effectRef idx="0">
+            <a:schemeClr val="accent1"/>
+          </a:effectRef>
+          <a:fontRef idx="minor">
+            <a:schemeClr val="lt1"/>
+          </a:fontRef>
+        </p:style>
+        <p:txBody>
+          <a:bodyPr rtlCol="0" anchor="ctr"/>
+          <a:p>
+            <a:pPr algn="ctr"/>
+            <a:r>
+              <a:rPr lang="zh-CN" sz="1000">
+                <a:solidFill>
+                  <a:schemeClr val="bg1"/>
+                </a:solidFill>
+              </a:rPr>
+              <a:t>移除</a:t>
+            </a:r>
+            <a:endParaRPr lang="zh-CN" sz="1000">
+              <a:solidFill>
+                <a:schemeClr val="bg1"/>
+              </a:solidFill>
+            </a:endParaRPr>
+          </a:p>
+        </p:txBody>
+      </p:sp>
+      <p:sp>
+        <p:nvSpPr>
+          <p:cNvPr id="9" name="矩形 8"/>
+          <p:cNvSpPr/>
+          <p:nvPr/>
+        </p:nvSpPr>
+        <p:spPr>
+          <a:xfrm>
+            <a:off x="2633345" y="1180465"/>
+            <a:ext cx="466090" cy="223520"/>
+          </a:xfrm>
+          <a:prstGeom prst="rect">
+            <a:avLst/>
+          </a:prstGeom>
+          <a:solidFill>
+            <a:srgbClr val="FF0000"/>
+          </a:solidFill>
+          <a:ln>
+            <a:noFill/>
+          </a:ln>
+        </p:spPr>
+        <p:style>
+          <a:lnRef idx="2">
+            <a:schemeClr val="accent1">
+              <a:shade val="50000"/>
+            </a:schemeClr>
+          </a:lnRef>
+          <a:fillRef idx="1">
+            <a:schemeClr val="accent1"/>
+          </a:fillRef>
+          <a:effectRef idx="0">
+            <a:schemeClr val="accent1"/>
+          </a:effectRef>
+          <a:fontRef idx="minor">
+            <a:schemeClr val="lt1"/>
+          </a:fontRef>
+        </p:style>
+        <p:txBody>
+          <a:bodyPr rtlCol="0" anchor="ctr"/>
+          <a:p>
+            <a:pPr algn="ctr"/>
+            <a:r>
+              <a:rPr lang="zh-CN" sz="1000">
+                <a:solidFill>
+                  <a:schemeClr val="bg1"/>
+                </a:solidFill>
+              </a:rPr>
+              <a:t>移除</a:t>
+            </a:r>
+            <a:endParaRPr lang="zh-CN" sz="1000">
+              <a:solidFill>
+                <a:schemeClr val="bg1"/>
+              </a:solidFill>
+            </a:endParaRPr>
+          </a:p>
+        </p:txBody>
+      </p:sp>
+      <p:sp>
+        <p:nvSpPr>
+          <p:cNvPr id="12" name="矩形 11"/>
+          <p:cNvSpPr/>
+          <p:nvPr/>
+        </p:nvSpPr>
+        <p:spPr>
+          <a:xfrm>
+            <a:off x="3186430" y="6403975"/>
+            <a:ext cx="2627630" cy="318135"/>
+          </a:xfrm>
+          <a:prstGeom prst="rect">
+            <a:avLst/>
+          </a:prstGeom>
+          <a:solidFill>
+            <a:srgbClr val="FF0000"/>
+          </a:solidFill>
+          <a:ln>
+            <a:noFill/>
+          </a:ln>
+        </p:spPr>
+        <p:style>
+          <a:lnRef idx="2">
+            <a:schemeClr val="accent1">
+              <a:shade val="50000"/>
+            </a:schemeClr>
+          </a:lnRef>
+          <a:fillRef idx="1">
+            <a:schemeClr val="accent1"/>
+          </a:fillRef>
+          <a:effectRef idx="0">
+            <a:schemeClr val="accent1"/>
+          </a:effectRef>
+          <a:fontRef idx="minor">
+            <a:schemeClr val="lt1"/>
+          </a:fontRef>
+        </p:style>
+        <p:txBody>
+          <a:bodyPr rtlCol="0" anchor="ctr"/>
+          <a:p>
+            <a:pPr algn="ctr"/>
+            <a:r>
+              <a:rPr lang="zh-CN" altLang="en-US">
+                <a:solidFill>
+                  <a:schemeClr val="bg1"/>
+                </a:solidFill>
+              </a:rPr>
+              <a:t>删除酒店</a:t>
+            </a:r>
+            <a:endParaRPr lang="zh-CN" altLang="en-US">
+              <a:solidFill>
+                <a:schemeClr val="bg1"/>
+              </a:solidFill>
+            </a:endParaRPr>
+          </a:p>
+        </p:txBody>
+      </p:sp>
     </p:spTree>
     <p:custDataLst>
       <p:tags r:id="rId1"/>
@@ -36509,7 +37183,7 @@
         <p:spPr>
           <a:xfrm>
             <a:off x="0" y="0"/>
-            <a:ext cx="3383280" cy="368300"/>
+            <a:ext cx="2926080" cy="368300"/>
           </a:xfrm>
           <a:prstGeom prst="rect">
             <a:avLst/>
@@ -36538,13 +37212,7 @@
               <a:rPr lang="zh-CN" altLang="en-US">
                 <a:sym typeface="+mn-ea"/>
               </a:rPr>
-              <a:t>编辑</a:t>
-            </a:r>
-            <a:r>
-              <a:rPr lang="zh-CN">
-                <a:sym typeface="+mn-ea"/>
-              </a:rPr>
-              <a:t>考试模板</a:t>
+              <a:t>考试信息</a:t>
             </a:r>
             <a:endParaRPr lang="zh-CN" altLang="en-US"/>
           </a:p>
@@ -36558,7 +37226,7 @@
         </p:nvSpPr>
         <p:spPr>
           <a:xfrm>
-            <a:off x="2134870" y="1306830"/>
+            <a:off x="2134870" y="1149985"/>
             <a:ext cx="7360285" cy="244475"/>
           </a:xfrm>
           <a:prstGeom prst="rect">
@@ -36619,7 +37287,7 @@
         </p:nvSpPr>
         <p:spPr>
           <a:xfrm>
-            <a:off x="2141220" y="3277870"/>
+            <a:off x="2141220" y="3121025"/>
             <a:ext cx="3621405" cy="244475"/>
           </a:xfrm>
           <a:prstGeom prst="rect">
@@ -36680,7 +37348,7 @@
         </p:nvSpPr>
         <p:spPr>
           <a:xfrm>
-            <a:off x="5917565" y="3277870"/>
+            <a:off x="5917565" y="3121025"/>
             <a:ext cx="3583940" cy="244475"/>
           </a:xfrm>
           <a:prstGeom prst="rect">
@@ -36741,7 +37409,7 @@
         </p:nvSpPr>
         <p:spPr>
           <a:xfrm>
-            <a:off x="2147570" y="2480310"/>
+            <a:off x="2147570" y="2323465"/>
             <a:ext cx="7360285" cy="244475"/>
           </a:xfrm>
           <a:prstGeom prst="rect">
@@ -36802,7 +37470,7 @@
         </p:nvSpPr>
         <p:spPr>
           <a:xfrm>
-            <a:off x="2141855" y="2842895"/>
+            <a:off x="2141855" y="2686050"/>
             <a:ext cx="7360285" cy="244475"/>
           </a:xfrm>
           <a:prstGeom prst="rect">
@@ -36863,7 +37531,7 @@
         </p:nvSpPr>
         <p:spPr>
           <a:xfrm>
-            <a:off x="2134870" y="1755140"/>
+            <a:off x="2134870" y="1598295"/>
             <a:ext cx="7360285" cy="244475"/>
           </a:xfrm>
           <a:prstGeom prst="rect">
@@ -36924,7 +37592,7 @@
         </p:nvSpPr>
         <p:spPr>
           <a:xfrm>
-            <a:off x="9685020" y="1750695"/>
+            <a:off x="9685020" y="1593850"/>
             <a:ext cx="250190" cy="219075"/>
           </a:xfrm>
           <a:prstGeom prst="flowChartOr">
@@ -37010,7 +37678,7 @@
         </p:nvSpPr>
         <p:spPr>
           <a:xfrm>
-            <a:off x="9685020" y="3249295"/>
+            <a:off x="9685020" y="3092450"/>
             <a:ext cx="250825" cy="219075"/>
           </a:xfrm>
           <a:prstGeom prst="flowChartOr">
@@ -37062,7 +37730,7 @@
         </p:nvCxnSpPr>
         <p:spPr>
           <a:xfrm flipH="1" flipV="1">
-            <a:off x="9935210" y="1860550"/>
+            <a:off x="9935210" y="1703705"/>
             <a:ext cx="1033780" cy="669290"/>
           </a:xfrm>
           <a:prstGeom prst="straightConnector1">
@@ -37098,7 +37766,7 @@
         </p:nvSpPr>
         <p:spPr>
           <a:xfrm>
-            <a:off x="10363200" y="2529840"/>
+            <a:off x="10363200" y="2372995"/>
             <a:ext cx="1210945" cy="213360"/>
           </a:xfrm>
           <a:prstGeom prst="rect">
@@ -37167,7 +37835,7 @@
         </p:nvCxnSpPr>
         <p:spPr>
           <a:xfrm flipH="1">
-            <a:off x="9899015" y="2743200"/>
+            <a:off x="9899015" y="2578100"/>
             <a:ext cx="1069975" cy="538480"/>
           </a:xfrm>
           <a:prstGeom prst="straightConnector1">
@@ -37203,7 +37871,7 @@
         </p:nvSpPr>
         <p:spPr>
           <a:xfrm>
-            <a:off x="2141855" y="3668395"/>
+            <a:off x="2141855" y="3511550"/>
             <a:ext cx="1880235" cy="244475"/>
           </a:xfrm>
           <a:prstGeom prst="rect">
@@ -37264,7 +37932,7 @@
         </p:nvSpPr>
         <p:spPr>
           <a:xfrm>
-            <a:off x="4112260" y="3668395"/>
+            <a:off x="4112260" y="3511550"/>
             <a:ext cx="2659380" cy="244475"/>
           </a:xfrm>
           <a:prstGeom prst="rect">
@@ -37325,7 +37993,7 @@
         </p:nvSpPr>
         <p:spPr>
           <a:xfrm>
-            <a:off x="9685655" y="3669030"/>
+            <a:off x="9685655" y="3512185"/>
             <a:ext cx="249555" cy="219075"/>
           </a:xfrm>
           <a:prstGeom prst="flowChartOr">
@@ -37374,7 +38042,7 @@
         </p:nvSpPr>
         <p:spPr>
           <a:xfrm>
-            <a:off x="6883400" y="3668395"/>
+            <a:off x="6883400" y="3511550"/>
             <a:ext cx="2618740" cy="244475"/>
           </a:xfrm>
           <a:prstGeom prst="rect">
@@ -37435,7 +38103,7 @@
         </p:nvSpPr>
         <p:spPr>
           <a:xfrm>
-            <a:off x="9685020" y="4424045"/>
+            <a:off x="9685020" y="4267200"/>
             <a:ext cx="251460" cy="219075"/>
           </a:xfrm>
           <a:prstGeom prst="flowChartOr">
@@ -37484,7 +38152,7 @@
         </p:nvSpPr>
         <p:spPr>
           <a:xfrm>
-            <a:off x="2141220" y="4436110"/>
+            <a:off x="2141220" y="4279265"/>
             <a:ext cx="7360285" cy="244475"/>
           </a:xfrm>
           <a:prstGeom prst="rect">
@@ -37553,7 +38221,7 @@
         </p:nvSpPr>
         <p:spPr>
           <a:xfrm>
-            <a:off x="2141220" y="4904105"/>
+            <a:off x="2141220" y="4747260"/>
             <a:ext cx="7360285" cy="244475"/>
           </a:xfrm>
           <a:prstGeom prst="rect">
@@ -37622,7 +38290,7 @@
         </p:nvSpPr>
         <p:spPr>
           <a:xfrm>
-            <a:off x="2141220" y="5311140"/>
+            <a:off x="2141220" y="5154295"/>
             <a:ext cx="7360285" cy="244475"/>
           </a:xfrm>
           <a:prstGeom prst="rect">
@@ -37691,7 +38359,7 @@
         </p:nvSpPr>
         <p:spPr>
           <a:xfrm>
-            <a:off x="9685020" y="4905375"/>
+            <a:off x="9685020" y="4748530"/>
             <a:ext cx="251460" cy="219075"/>
           </a:xfrm>
           <a:prstGeom prst="flowChartOr">
@@ -37743,7 +38411,7 @@
         </p:nvCxnSpPr>
         <p:spPr>
           <a:xfrm flipH="1">
-            <a:off x="9898380" y="2743200"/>
+            <a:off x="9898380" y="2578100"/>
             <a:ext cx="1070610" cy="958215"/>
           </a:xfrm>
           <a:prstGeom prst="straightConnector1">
@@ -37782,7 +38450,7 @@
         </p:nvCxnSpPr>
         <p:spPr>
           <a:xfrm flipH="1">
-            <a:off x="9899650" y="2743200"/>
+            <a:off x="9899650" y="2578100"/>
             <a:ext cx="1069340" cy="1713230"/>
           </a:xfrm>
           <a:prstGeom prst="straightConnector1">
@@ -37821,7 +38489,7 @@
         </p:nvCxnSpPr>
         <p:spPr>
           <a:xfrm flipH="1">
-            <a:off x="9936480" y="2743200"/>
+            <a:off x="9936480" y="2578100"/>
             <a:ext cx="1032510" cy="2272030"/>
           </a:xfrm>
           <a:prstGeom prst="straightConnector1">
@@ -37857,7 +38525,7 @@
         </p:nvSpPr>
         <p:spPr>
           <a:xfrm>
-            <a:off x="2134870" y="6187440"/>
+            <a:off x="2134870" y="6030595"/>
             <a:ext cx="7360285" cy="226060"/>
           </a:xfrm>
           <a:prstGeom prst="rect">
@@ -37914,7 +38582,7 @@
         </p:nvSpPr>
         <p:spPr>
           <a:xfrm>
-            <a:off x="2157730" y="4036695"/>
+            <a:off x="2157730" y="3879850"/>
             <a:ext cx="3673475" cy="244475"/>
           </a:xfrm>
           <a:prstGeom prst="rect">
@@ -37975,7 +38643,7 @@
         </p:nvSpPr>
         <p:spPr>
           <a:xfrm>
-            <a:off x="5917565" y="4036695"/>
+            <a:off x="5917565" y="3879850"/>
             <a:ext cx="3600450" cy="244475"/>
           </a:xfrm>
           <a:prstGeom prst="rect">
@@ -38036,7 +38704,7 @@
         </p:nvSpPr>
         <p:spPr>
           <a:xfrm>
-            <a:off x="2134870" y="2117090"/>
+            <a:off x="2134870" y="1960245"/>
             <a:ext cx="7360285" cy="244475"/>
           </a:xfrm>
           <a:prstGeom prst="rect">
@@ -38331,7 +38999,7 @@
                   <a:srgbClr val="FF0000"/>
                 </a:solidFill>
               </a:rPr>
-              <a:t>（统一支付）</a:t>
+              <a:t>（统一支付，已支付）</a:t>
             </a:r>
             <a:endParaRPr lang="zh-CN" altLang="en-US" sz="1600">
               <a:solidFill>
@@ -38703,7 +39371,7 @@
                 </a:solidFill>
                 <a:sym typeface="+mn-ea"/>
               </a:rPr>
-              <a:t>（统一支付，已支付）</a:t>
+              <a:t>（预估）</a:t>
             </a:r>
             <a:endParaRPr lang="zh-CN" altLang="en-US" sz="1600">
               <a:solidFill>
@@ -39545,7 +40213,7 @@
         </p:nvSpPr>
         <p:spPr>
           <a:xfrm>
-            <a:off x="4077970" y="1649095"/>
+            <a:off x="4076065" y="4858385"/>
             <a:ext cx="3248660" cy="468630"/>
           </a:xfrm>
           <a:prstGeom prst="rect">

--- a/界面设计/eTeam界面—团队.pptx
+++ b/界面设计/eTeam界面—团队.pptx
@@ -19257,7 +19257,29 @@
               <a:buSzTx/>
               <a:buFontTx/>
             </a:pPr>
-            <a:endParaRPr lang="zh-CN" altLang="en-US" sz="1000">
+            <a:r>
+              <a:rPr lang="zh-CN" altLang="en-US" sz="1000">
+                <a:solidFill>
+                  <a:schemeClr val="accent1">
+                    <a:lumMod val="75000"/>
+                  </a:schemeClr>
+                </a:solidFill>
+                <a:sym typeface="+mn-ea"/>
+              </a:rPr>
+              <a:t>去</a:t>
+            </a:r>
+            <a:r>
+              <a:rPr lang="en-US" altLang="zh-CN" sz="1000">
+                <a:solidFill>
+                  <a:schemeClr val="accent1">
+                    <a:lumMod val="75000"/>
+                  </a:schemeClr>
+                </a:solidFill>
+                <a:sym typeface="+mn-ea"/>
+              </a:rPr>
+              <a:t>																																																			</a:t>
+            </a:r>
+            <a:endParaRPr lang="en-US" altLang="zh-CN" sz="1000">
               <a:solidFill>
                 <a:schemeClr val="accent1">
                   <a:lumMod val="75000"/>
@@ -42426,7 +42448,7 @@
         <p:spPr>
           <a:xfrm>
             <a:off x="8331835" y="4959985"/>
-            <a:ext cx="3429000" cy="1201420"/>
+            <a:ext cx="3429000" cy="757555"/>
           </a:xfrm>
           <a:prstGeom prst="rect">
             <a:avLst/>
@@ -42477,8 +42499,8 @@
         </p:nvSpPr>
         <p:spPr>
           <a:xfrm>
-            <a:off x="8427085" y="5127625"/>
-            <a:ext cx="3248025" cy="864870"/>
+            <a:off x="8471535" y="5045710"/>
+            <a:ext cx="3203575" cy="694055"/>
           </a:xfrm>
           <a:prstGeom prst="rect">
             <a:avLst/>
@@ -42895,6 +42917,105 @@
           </a:p>
         </p:txBody>
       </p:sp>
+      <p:sp>
+        <p:nvSpPr>
+          <p:cNvPr id="37" name="矩形 36"/>
+          <p:cNvSpPr/>
+          <p:nvPr/>
+        </p:nvSpPr>
+        <p:spPr>
+          <a:xfrm>
+            <a:off x="8331835" y="5767070"/>
+            <a:ext cx="3429000" cy="428625"/>
+          </a:xfrm>
+          <a:prstGeom prst="rect">
+            <a:avLst/>
+          </a:prstGeom>
+          <a:noFill/>
+          <a:extLst>
+            <a:ext uri="{909E8E84-426E-40DD-AFC4-6F175D3DCCD1}">
+              <a14:hiddenFill xmlns:a14="http://schemas.microsoft.com/office/drawing/2010/main">
+                <a:solidFill>
+                  <a:schemeClr val="accent1"/>
+                </a:solidFill>
+              </a14:hiddenFill>
+            </a:ext>
+          </a:extLst>
+        </p:spPr>
+        <p:style>
+          <a:lnRef idx="2">
+            <a:schemeClr val="accent1">
+              <a:shade val="50000"/>
+            </a:schemeClr>
+          </a:lnRef>
+          <a:fillRef idx="1">
+            <a:schemeClr val="accent1"/>
+          </a:fillRef>
+          <a:effectRef idx="0">
+            <a:schemeClr val="accent1"/>
+          </a:effectRef>
+          <a:fontRef idx="minor">
+            <a:schemeClr val="lt1"/>
+          </a:fontRef>
+        </p:style>
+        <p:txBody>
+          <a:bodyPr rtlCol="0" anchor="ctr"/>
+          <a:p>
+            <a:pPr algn="ctr"/>
+            <a:r>
+              <a:rPr lang="zh-CN">
+                <a:solidFill>
+                  <a:schemeClr val="tx1"/>
+                </a:solidFill>
+              </a:rPr>
+              <a:t>输入邀请码</a:t>
+            </a:r>
+            <a:endParaRPr lang="zh-CN">
+              <a:solidFill>
+                <a:schemeClr val="tx1"/>
+              </a:solidFill>
+            </a:endParaRPr>
+          </a:p>
+        </p:txBody>
+      </p:sp>
+      <p:cxnSp>
+        <p:nvCxnSpPr>
+          <p:cNvPr id="39" name="直接箭头连接符 38"/>
+          <p:cNvCxnSpPr>
+            <a:stCxn id="37" idx="0"/>
+          </p:cNvCxnSpPr>
+          <p:nvPr/>
+        </p:nvCxnSpPr>
+        <p:spPr>
+          <a:xfrm flipV="1">
+            <a:off x="10046335" y="4862830"/>
+            <a:ext cx="446405" cy="904240"/>
+          </a:xfrm>
+          <a:prstGeom prst="straightConnector1">
+            <a:avLst/>
+          </a:prstGeom>
+          <a:ln>
+            <a:solidFill>
+              <a:srgbClr val="FF0000"/>
+            </a:solidFill>
+            <a:tailEnd type="arrow"/>
+          </a:ln>
+        </p:spPr>
+        <p:style>
+          <a:lnRef idx="1">
+            <a:schemeClr val="accent1"/>
+          </a:lnRef>
+          <a:fillRef idx="0">
+            <a:schemeClr val="accent1"/>
+          </a:fillRef>
+          <a:effectRef idx="0">
+            <a:schemeClr val="accent1"/>
+          </a:effectRef>
+          <a:fontRef idx="minor">
+            <a:schemeClr val="tx1"/>
+          </a:fontRef>
+        </p:style>
+      </p:cxnSp>
     </p:spTree>
     <p:custDataLst>
       <p:tags r:id="rId1"/>
@@ -44540,67 +44661,6 @@
             <a:endParaRPr lang="zh-CN" altLang="en-US" sz="1000">
               <a:solidFill>
                 <a:srgbClr val="FF0000"/>
-              </a:solidFill>
-            </a:endParaRPr>
-          </a:p>
-        </p:txBody>
-      </p:sp>
-      <p:sp>
-        <p:nvSpPr>
-          <p:cNvPr id="29" name="矩形 28"/>
-          <p:cNvSpPr/>
-          <p:nvPr/>
-        </p:nvSpPr>
-        <p:spPr>
-          <a:xfrm>
-            <a:off x="7774940" y="4259580"/>
-            <a:ext cx="2938780" cy="572135"/>
-          </a:xfrm>
-          <a:prstGeom prst="rect">
-            <a:avLst/>
-          </a:prstGeom>
-          <a:noFill/>
-          <a:extLst>
-            <a:ext uri="{909E8E84-426E-40DD-AFC4-6F175D3DCCD1}">
-              <a14:hiddenFill xmlns:a14="http://schemas.microsoft.com/office/drawing/2010/main">
-                <a:solidFill>
-                  <a:schemeClr val="accent1"/>
-                </a:solidFill>
-              </a14:hiddenFill>
-            </a:ext>
-          </a:extLst>
-        </p:spPr>
-        <p:style>
-          <a:lnRef idx="2">
-            <a:schemeClr val="accent1">
-              <a:shade val="50000"/>
-            </a:schemeClr>
-          </a:lnRef>
-          <a:fillRef idx="1">
-            <a:schemeClr val="accent1"/>
-          </a:fillRef>
-          <a:effectRef idx="0">
-            <a:schemeClr val="accent1"/>
-          </a:effectRef>
-          <a:fontRef idx="minor">
-            <a:schemeClr val="lt1"/>
-          </a:fontRef>
-        </p:style>
-        <p:txBody>
-          <a:bodyPr rtlCol="0" anchor="ctr"/>
-          <a:p>
-            <a:pPr algn="ctr"/>
-            <a:r>
-              <a:rPr lang="zh-CN">
-                <a:solidFill>
-                  <a:schemeClr val="tx1"/>
-                </a:solidFill>
-              </a:rPr>
-              <a:t>输入邀请码</a:t>
-            </a:r>
-            <a:endParaRPr lang="zh-CN">
-              <a:solidFill>
-                <a:schemeClr val="tx1"/>
               </a:solidFill>
             </a:endParaRPr>
           </a:p>

--- a/界面设计/eTeam界面—团队.pptx
+++ b/界面设计/eTeam界面—团队.pptx
@@ -19258,17 +19258,6 @@
               <a:buFontTx/>
             </a:pPr>
             <a:r>
-              <a:rPr lang="zh-CN" altLang="en-US" sz="1000">
-                <a:solidFill>
-                  <a:schemeClr val="accent1">
-                    <a:lumMod val="75000"/>
-                  </a:schemeClr>
-                </a:solidFill>
-                <a:sym typeface="+mn-ea"/>
-              </a:rPr>
-              <a:t>去</a:t>
-            </a:r>
-            <a:r>
               <a:rPr lang="en-US" altLang="zh-CN" sz="1000">
                 <a:solidFill>
                   <a:schemeClr val="accent1">
@@ -20316,6 +20305,14 @@
           <a:p>
             <a:pPr algn="ctr"/>
             <a:r>
+              <a:rPr lang="en-US" altLang="zh-CN" sz="1000">
+                <a:solidFill>
+                  <a:schemeClr val="tx1"/>
+                </a:solidFill>
+              </a:rPr>
+              <a:t>   </a:t>
+            </a:r>
+            <a:r>
               <a:rPr lang="zh-CN" sz="1000">
                 <a:solidFill>
                   <a:schemeClr val="tx1"/>
@@ -20329,15 +20326,31 @@
                   <a:schemeClr val="tx1"/>
                 </a:solidFill>
               </a:rPr>
+              <a:t>          </a:t>
+            </a:r>
+            <a:r>
+              <a:rPr lang="zh-CN" sz="1000">
+                <a:solidFill>
+                  <a:schemeClr val="tx1"/>
+                </a:solidFill>
+              </a:rPr>
+              <a:t>车牌号</a:t>
+            </a:r>
+            <a:r>
+              <a:rPr lang="en-US" altLang="zh-CN" sz="1000">
+                <a:solidFill>
+                  <a:schemeClr val="tx1"/>
+                </a:solidFill>
+              </a:rPr>
               <a:t>         </a:t>
             </a:r>
             <a:r>
-              <a:rPr lang="zh-CN" sz="1000">
+              <a:rPr lang="zh-CN" altLang="en-US" sz="1000">
                 <a:solidFill>
                   <a:schemeClr val="tx1"/>
                 </a:solidFill>
               </a:rPr>
-              <a:t>车牌号</a:t>
+              <a:t>司机        人数</a:t>
             </a:r>
             <a:r>
               <a:rPr lang="en-US" altLang="zh-CN" sz="1000">
@@ -20345,7 +20358,7 @@
                   <a:schemeClr val="tx1"/>
                 </a:solidFill>
               </a:rPr>
-              <a:t>             </a:t>
+              <a:t>/</a:t>
             </a:r>
             <a:r>
               <a:rPr lang="zh-CN" altLang="en-US" sz="1000">
@@ -20353,7 +20366,7 @@
                   <a:schemeClr val="tx1"/>
                 </a:solidFill>
               </a:rPr>
-              <a:t>司机          人数</a:t>
+              <a:t>容量</a:t>
             </a:r>
             <a:endParaRPr lang="zh-CN" altLang="en-US" sz="1000">
               <a:solidFill>

--- a/界面设计/eTeam界面—团队.pptx
+++ b/界面设计/eTeam界面—团队.pptx
@@ -22318,7 +22318,7 @@
         </p:nvSpPr>
         <p:spPr>
           <a:xfrm>
-            <a:off x="3019425" y="428625"/>
+            <a:off x="3025775" y="428625"/>
             <a:ext cx="2868930" cy="6331585"/>
           </a:xfrm>
           <a:prstGeom prst="rect">
@@ -22368,7 +22368,7 @@
         </p:nvSpPr>
         <p:spPr>
           <a:xfrm>
-            <a:off x="3186430" y="6006465"/>
+            <a:off x="3136900" y="5973445"/>
             <a:ext cx="2634615" cy="354965"/>
           </a:xfrm>
           <a:prstGeom prst="rect">
@@ -23343,7 +23343,7 @@
         </p:nvSpPr>
         <p:spPr>
           <a:xfrm>
-            <a:off x="6016625" y="428625"/>
+            <a:off x="6026150" y="428625"/>
             <a:ext cx="2868930" cy="6331585"/>
           </a:xfrm>
           <a:prstGeom prst="rect">
@@ -24585,8 +24585,8 @@
         </p:nvCxnSpPr>
         <p:spPr>
           <a:xfrm flipH="1">
-            <a:off x="8885555" y="1743075"/>
-            <a:ext cx="751840" cy="1851660"/>
+            <a:off x="8895080" y="1743075"/>
+            <a:ext cx="742315" cy="1851660"/>
           </a:xfrm>
           <a:prstGeom prst="straightConnector1">
             <a:avLst/>
@@ -24618,7 +24618,7 @@
         </p:nvSpPr>
         <p:spPr>
           <a:xfrm>
-            <a:off x="3093085" y="1403985"/>
+            <a:off x="3089910" y="1342390"/>
             <a:ext cx="2721610" cy="339090"/>
           </a:xfrm>
           <a:prstGeom prst="rect">
@@ -24850,7 +24850,7 @@
         </p:nvSpPr>
         <p:spPr>
           <a:xfrm>
-            <a:off x="3186430" y="6403975"/>
+            <a:off x="3146425" y="6384925"/>
             <a:ext cx="2627630" cy="318135"/>
           </a:xfrm>
           <a:prstGeom prst="rect">

--- a/界面设计/eTeam界面—团队.pptx
+++ b/界面设计/eTeam界面—团队.pptx
@@ -43029,6 +43029,51 @@
           </a:fontRef>
         </p:style>
       </p:cxnSp>
+      <p:sp>
+        <p:nvSpPr>
+          <p:cNvPr id="43" name="乘号 42"/>
+          <p:cNvSpPr/>
+          <p:nvPr/>
+        </p:nvSpPr>
+        <p:spPr>
+          <a:xfrm>
+            <a:off x="1459230" y="798195"/>
+            <a:ext cx="3758565" cy="5080635"/>
+          </a:xfrm>
+          <a:prstGeom prst="mathMultiply">
+            <a:avLst/>
+          </a:prstGeom>
+          <a:solidFill>
+            <a:srgbClr val="FF0000"/>
+          </a:solidFill>
+          <a:ln>
+            <a:noFill/>
+          </a:ln>
+        </p:spPr>
+        <p:style>
+          <a:lnRef idx="2">
+            <a:schemeClr val="accent1">
+              <a:shade val="50000"/>
+            </a:schemeClr>
+          </a:lnRef>
+          <a:fillRef idx="1">
+            <a:schemeClr val="accent1"/>
+          </a:fillRef>
+          <a:effectRef idx="0">
+            <a:schemeClr val="accent1"/>
+          </a:effectRef>
+          <a:fontRef idx="minor">
+            <a:schemeClr val="lt1"/>
+          </a:fontRef>
+        </p:style>
+        <p:txBody>
+          <a:bodyPr rtlCol="0" anchor="ctr"/>
+          <a:p>
+            <a:pPr algn="ctr"/>
+            <a:endParaRPr lang="zh-CN" altLang="en-US"/>
+          </a:p>
+        </p:txBody>
+      </p:sp>
     </p:spTree>
     <p:custDataLst>
       <p:tags r:id="rId1"/>

--- a/界面设计/eTeam界面—团队.pptx
+++ b/界面设计/eTeam界面—团队.pptx
@@ -37165,7 +37165,7 @@
         </p:nvSpPr>
         <p:spPr>
           <a:xfrm>
-            <a:off x="230505" y="376555"/>
+            <a:off x="230505" y="368300"/>
             <a:ext cx="11555730" cy="6331585"/>
           </a:xfrm>
           <a:prstGeom prst="rect">
@@ -39110,7 +39110,7 @@
         <p:spPr>
           <a:xfrm>
             <a:off x="8199755" y="392430"/>
-            <a:ext cx="1917065" cy="583565"/>
+            <a:ext cx="1834515" cy="583565"/>
           </a:xfrm>
           <a:prstGeom prst="rect">
             <a:avLst/>
@@ -39140,13 +39140,13 @@
       </p:sp>
       <p:sp>
         <p:nvSpPr>
-          <p:cNvPr id="17" name="矩形 16"/>
-          <p:cNvSpPr/>
-          <p:nvPr/>
-        </p:nvSpPr>
-        <p:spPr>
-          <a:xfrm>
-            <a:off x="4109720" y="2806700"/>
+          <p:cNvPr id="3" name="矩形 2"/>
+          <p:cNvSpPr/>
+          <p:nvPr/>
+        </p:nvSpPr>
+        <p:spPr>
+          <a:xfrm>
+            <a:off x="4115435" y="3313430"/>
             <a:ext cx="3508375" cy="266065"/>
           </a:xfrm>
           <a:prstGeom prst="rect">
@@ -39189,34 +39189,33 @@
                   <a:schemeClr val="tx1"/>
                 </a:solidFill>
               </a:rPr>
-              <a:t>是否已支付</a:t>
+              <a:t>其他费用</a:t>
             </a:r>
             <a:r>
               <a:rPr lang="zh-CN" altLang="en-US" sz="1600">
                 <a:solidFill>
                   <a:srgbClr val="FF0000"/>
                 </a:solidFill>
-                <a:sym typeface="+mn-ea"/>
-              </a:rPr>
-              <a:t>（统一支付）</a:t>
+              </a:rPr>
+              <a:t>（学生支付）</a:t>
             </a:r>
             <a:endParaRPr lang="zh-CN" altLang="en-US" sz="1600">
               <a:solidFill>
-                <a:schemeClr val="tx1"/>
-              </a:solidFill>
-            </a:endParaRPr>
-          </a:p>
-        </p:txBody>
-      </p:sp>
-      <p:sp>
-        <p:nvSpPr>
-          <p:cNvPr id="3" name="矩形 2"/>
-          <p:cNvSpPr/>
-          <p:nvPr/>
-        </p:nvSpPr>
-        <p:spPr>
-          <a:xfrm>
-            <a:off x="4115435" y="2438400"/>
+                <a:srgbClr val="FF0000"/>
+              </a:solidFill>
+            </a:endParaRPr>
+          </a:p>
+        </p:txBody>
+      </p:sp>
+      <p:sp>
+        <p:nvSpPr>
+          <p:cNvPr id="6" name="矩形 5"/>
+          <p:cNvSpPr/>
+          <p:nvPr/>
+        </p:nvSpPr>
+        <p:spPr>
+          <a:xfrm>
+            <a:off x="4115435" y="2895600"/>
             <a:ext cx="3508375" cy="266065"/>
           </a:xfrm>
           <a:prstGeom prst="rect">
@@ -39259,7 +39258,7 @@
                   <a:schemeClr val="tx1"/>
                 </a:solidFill>
               </a:rPr>
-              <a:t>其他费用</a:t>
+              <a:t>房费</a:t>
             </a:r>
             <a:r>
               <a:rPr lang="zh-CN" altLang="en-US" sz="1600">
@@ -39279,13 +39278,13 @@
       </p:sp>
       <p:sp>
         <p:nvSpPr>
-          <p:cNvPr id="6" name="矩形 5"/>
-          <p:cNvSpPr/>
-          <p:nvPr/>
-        </p:nvSpPr>
-        <p:spPr>
-          <a:xfrm>
-            <a:off x="4115435" y="2020570"/>
+          <p:cNvPr id="8" name="矩形 7"/>
+          <p:cNvSpPr/>
+          <p:nvPr/>
+        </p:nvSpPr>
+        <p:spPr>
+          <a:xfrm>
+            <a:off x="4109720" y="4081780"/>
             <a:ext cx="3508375" cy="266065"/>
           </a:xfrm>
           <a:prstGeom prst="rect">
@@ -39328,33 +39327,34 @@
                   <a:schemeClr val="tx1"/>
                 </a:solidFill>
               </a:rPr>
-              <a:t>房费</a:t>
+              <a:t>人数</a:t>
             </a:r>
             <a:r>
               <a:rPr lang="zh-CN" altLang="en-US" sz="1600">
                 <a:solidFill>
                   <a:srgbClr val="FF0000"/>
                 </a:solidFill>
-              </a:rPr>
-              <a:t>（学生支付）</a:t>
+                <a:sym typeface="+mn-ea"/>
+              </a:rPr>
+              <a:t>（预估）</a:t>
             </a:r>
             <a:endParaRPr lang="zh-CN" altLang="en-US" sz="1600">
               <a:solidFill>
-                <a:srgbClr val="FF0000"/>
-              </a:solidFill>
-            </a:endParaRPr>
-          </a:p>
-        </p:txBody>
-      </p:sp>
-      <p:sp>
-        <p:nvSpPr>
-          <p:cNvPr id="8" name="矩形 7"/>
-          <p:cNvSpPr/>
-          <p:nvPr/>
-        </p:nvSpPr>
-        <p:spPr>
-          <a:xfrm>
-            <a:off x="4109720" y="3206750"/>
+                <a:schemeClr val="tx1"/>
+              </a:solidFill>
+            </a:endParaRPr>
+          </a:p>
+        </p:txBody>
+      </p:sp>
+      <p:sp>
+        <p:nvSpPr>
+          <p:cNvPr id="9" name="矩形 8"/>
+          <p:cNvSpPr/>
+          <p:nvPr/>
+        </p:nvSpPr>
+        <p:spPr>
+          <a:xfrm>
+            <a:off x="4109720" y="1247140"/>
             <a:ext cx="3508375" cy="266065"/>
           </a:xfrm>
           <a:prstGeom prst="rect">
@@ -39397,16 +39397,7 @@
                   <a:schemeClr val="tx1"/>
                 </a:solidFill>
               </a:rPr>
-              <a:t>人数</a:t>
-            </a:r>
-            <a:r>
-              <a:rPr lang="zh-CN" altLang="en-US" sz="1600">
-                <a:solidFill>
-                  <a:srgbClr val="FF0000"/>
-                </a:solidFill>
-                <a:sym typeface="+mn-ea"/>
-              </a:rPr>
-              <a:t>（预估）</a:t>
+              <a:t>联系方式</a:t>
             </a:r>
             <a:endParaRPr lang="zh-CN" altLang="en-US" sz="1600">
               <a:solidFill>
@@ -39418,13 +39409,13 @@
       </p:sp>
       <p:sp>
         <p:nvSpPr>
-          <p:cNvPr id="9" name="矩形 8"/>
-          <p:cNvSpPr/>
-          <p:nvPr/>
-        </p:nvSpPr>
-        <p:spPr>
-          <a:xfrm>
-            <a:off x="4109720" y="1247140"/>
+          <p:cNvPr id="11" name="矩形 10"/>
+          <p:cNvSpPr/>
+          <p:nvPr/>
+        </p:nvSpPr>
+        <p:spPr>
+          <a:xfrm>
+            <a:off x="4109720" y="911225"/>
             <a:ext cx="3508375" cy="266065"/>
           </a:xfrm>
           <a:prstGeom prst="rect">
@@ -39467,7 +39458,7 @@
                   <a:schemeClr val="tx1"/>
                 </a:solidFill>
               </a:rPr>
-              <a:t>联系方式</a:t>
+              <a:t>负责人</a:t>
             </a:r>
             <a:endParaRPr lang="zh-CN" altLang="en-US" sz="1600">
               <a:solidFill>
@@ -39479,13 +39470,13 @@
       </p:sp>
       <p:sp>
         <p:nvSpPr>
-          <p:cNvPr id="11" name="矩形 10"/>
-          <p:cNvSpPr/>
-          <p:nvPr/>
-        </p:nvSpPr>
-        <p:spPr>
-          <a:xfrm>
-            <a:off x="4109720" y="911225"/>
+          <p:cNvPr id="14" name="矩形 13"/>
+          <p:cNvSpPr/>
+          <p:nvPr/>
+        </p:nvSpPr>
+        <p:spPr>
+          <a:xfrm>
+            <a:off x="4109720" y="4505325"/>
             <a:ext cx="3508375" cy="266065"/>
           </a:xfrm>
           <a:prstGeom prst="rect">
@@ -39528,7 +39519,7 @@
                   <a:schemeClr val="tx1"/>
                 </a:solidFill>
               </a:rPr>
-              <a:t>负责人</a:t>
+              <a:t>备注</a:t>
             </a:r>
             <a:endParaRPr lang="zh-CN" altLang="en-US" sz="1600">
               <a:solidFill>
@@ -39540,13 +39531,13 @@
       </p:sp>
       <p:sp>
         <p:nvSpPr>
-          <p:cNvPr id="14" name="矩形 13"/>
-          <p:cNvSpPr/>
-          <p:nvPr/>
-        </p:nvSpPr>
-        <p:spPr>
-          <a:xfrm>
-            <a:off x="4109720" y="3630295"/>
+          <p:cNvPr id="12" name="矩形 11"/>
+          <p:cNvSpPr/>
+          <p:nvPr/>
+        </p:nvSpPr>
+        <p:spPr>
+          <a:xfrm>
+            <a:off x="4115435" y="2305050"/>
             <a:ext cx="3508375" cy="266065"/>
           </a:xfrm>
           <a:prstGeom prst="rect">
@@ -39589,11 +39580,122 @@
                   <a:schemeClr val="tx1"/>
                 </a:solidFill>
               </a:rPr>
-              <a:t>备注</a:t>
+              <a:t>包含接送</a:t>
+            </a:r>
+            <a:r>
+              <a:rPr lang="zh-CN" altLang="en-US" sz="1600">
+                <a:solidFill>
+                  <a:srgbClr val="FF0000"/>
+                </a:solidFill>
+              </a:rPr>
+              <a:t>（</a:t>
+            </a:r>
+            <a:r>
+              <a:rPr lang="zh-CN" altLang="en-US" sz="1600">
+                <a:solidFill>
+                  <a:srgbClr val="FF0000"/>
+                </a:solidFill>
+                <a:sym typeface="+mn-ea"/>
+              </a:rPr>
+              <a:t>统一支付</a:t>
+            </a:r>
+            <a:r>
+              <a:rPr lang="zh-CN" altLang="en-US" sz="1600">
+                <a:solidFill>
+                  <a:srgbClr val="FF0000"/>
+                </a:solidFill>
+              </a:rPr>
+              <a:t>）</a:t>
             </a:r>
             <a:endParaRPr lang="zh-CN" altLang="en-US" sz="1600">
               <a:solidFill>
-                <a:schemeClr val="tx1"/>
+                <a:srgbClr val="FF0000"/>
+              </a:solidFill>
+            </a:endParaRPr>
+          </a:p>
+        </p:txBody>
+      </p:sp>
+      <p:sp>
+        <p:nvSpPr>
+          <p:cNvPr id="13" name="矩形 12"/>
+          <p:cNvSpPr/>
+          <p:nvPr/>
+        </p:nvSpPr>
+        <p:spPr>
+          <a:xfrm>
+            <a:off x="4109720" y="1948815"/>
+            <a:ext cx="3508375" cy="266065"/>
+          </a:xfrm>
+          <a:prstGeom prst="rect">
+            <a:avLst/>
+          </a:prstGeom>
+          <a:noFill/>
+          <a:extLst>
+            <a:ext uri="{909E8E84-426E-40DD-AFC4-6F175D3DCCD1}">
+              <a14:hiddenFill xmlns:a14="http://schemas.microsoft.com/office/drawing/2010/main">
+                <a:solidFill>
+                  <a:schemeClr val="accent1"/>
+                </a:solidFill>
+              </a14:hiddenFill>
+            </a:ext>
+          </a:extLst>
+        </p:spPr>
+        <p:style>
+          <a:lnRef idx="2">
+            <a:schemeClr val="accent1">
+              <a:shade val="50000"/>
+            </a:schemeClr>
+          </a:lnRef>
+          <a:fillRef idx="1">
+            <a:schemeClr val="accent1"/>
+          </a:fillRef>
+          <a:effectRef idx="0">
+            <a:schemeClr val="accent1"/>
+          </a:effectRef>
+          <a:fontRef idx="minor">
+            <a:schemeClr val="lt1"/>
+          </a:fontRef>
+        </p:style>
+        <p:txBody>
+          <a:bodyPr rtlCol="0" anchor="ctr"/>
+          <a:p>
+            <a:pPr algn="ctr"/>
+            <a:r>
+              <a:rPr lang="zh-CN" altLang="en-US" sz="1600">
+                <a:solidFill>
+                  <a:schemeClr val="tx1"/>
+                </a:solidFill>
+              </a:rPr>
+              <a:t>包含住宿</a:t>
+            </a:r>
+            <a:r>
+              <a:rPr lang="zh-CN" altLang="en-US" sz="1600">
+                <a:solidFill>
+                  <a:srgbClr val="FF0000"/>
+                </a:solidFill>
+              </a:rPr>
+              <a:t>（</a:t>
+            </a:r>
+            <a:r>
+              <a:rPr lang="zh-CN" altLang="en-US" sz="1600">
+                <a:solidFill>
+                  <a:srgbClr val="FF0000"/>
+                </a:solidFill>
+                <a:sym typeface="+mn-ea"/>
+              </a:rPr>
+              <a:t>统一支付</a:t>
+            </a:r>
+            <a:r>
+              <a:rPr lang="zh-CN" altLang="en-US" sz="1600">
+                <a:solidFill>
+                  <a:srgbClr val="FF0000"/>
+                </a:solidFill>
+              </a:rPr>
+              <a:t>）</a:t>
+            </a:r>
+            <a:endParaRPr lang="zh-CN" altLang="en-US" sz="1600">
+              <a:solidFill>
+                <a:srgbClr val="FF0000"/>
               </a:solidFill>
             </a:endParaRPr>
           </a:p>
@@ -41284,8 +41386,8 @@
         </p:nvSpPr>
         <p:spPr>
           <a:xfrm>
-            <a:off x="8158480" y="368300"/>
-            <a:ext cx="3703320" cy="6331585"/>
+            <a:off x="8158480" y="135255"/>
+            <a:ext cx="3703320" cy="6564630"/>
           </a:xfrm>
           <a:prstGeom prst="rect">
             <a:avLst/>
@@ -41336,7 +41438,7 @@
         </p:nvSpPr>
         <p:spPr>
           <a:xfrm>
-            <a:off x="8321040" y="729615"/>
+            <a:off x="8321040" y="399415"/>
             <a:ext cx="3398520" cy="1374775"/>
           </a:xfrm>
           <a:prstGeom prst="rect">
@@ -41388,7 +41490,7 @@
         </p:nvSpPr>
         <p:spPr>
           <a:xfrm>
-            <a:off x="8385810" y="802005"/>
+            <a:off x="8385810" y="471805"/>
             <a:ext cx="3248660" cy="203835"/>
           </a:xfrm>
           <a:prstGeom prst="rect">
@@ -41449,7 +41551,7 @@
         </p:nvSpPr>
         <p:spPr>
           <a:xfrm>
-            <a:off x="8321040" y="494665"/>
+            <a:off x="8321040" y="164465"/>
             <a:ext cx="774700" cy="171450"/>
           </a:xfrm>
           <a:prstGeom prst="rect">
@@ -41500,7 +41602,7 @@
         </p:nvSpPr>
         <p:spPr>
           <a:xfrm>
-            <a:off x="8385810" y="1569085"/>
+            <a:off x="8385810" y="1238885"/>
             <a:ext cx="3248660" cy="203835"/>
           </a:xfrm>
           <a:prstGeom prst="rect">
@@ -41561,7 +41663,7 @@
         </p:nvSpPr>
         <p:spPr>
           <a:xfrm>
-            <a:off x="8385810" y="1323340"/>
+            <a:off x="8385810" y="993140"/>
             <a:ext cx="3248660" cy="203835"/>
           </a:xfrm>
           <a:prstGeom prst="rect">
@@ -41622,7 +41724,7 @@
         </p:nvSpPr>
         <p:spPr>
           <a:xfrm>
-            <a:off x="8385810" y="1066165"/>
+            <a:off x="8385810" y="735965"/>
             <a:ext cx="3248660" cy="203835"/>
           </a:xfrm>
           <a:prstGeom prst="rect">
@@ -41740,7 +41842,7 @@
         </p:nvSpPr>
         <p:spPr>
           <a:xfrm>
-            <a:off x="8385810" y="1827530"/>
+            <a:off x="8385810" y="1497330"/>
             <a:ext cx="3248660" cy="203835"/>
           </a:xfrm>
           <a:prstGeom prst="rect">
@@ -41838,7 +41940,7 @@
         </p:nvSpPr>
         <p:spPr>
           <a:xfrm>
-            <a:off x="8331835" y="2175510"/>
+            <a:off x="8331835" y="2507615"/>
             <a:ext cx="3394075" cy="240665"/>
           </a:xfrm>
           <a:prstGeom prst="rect">
@@ -41889,7 +41991,7 @@
         </p:nvSpPr>
         <p:spPr>
           <a:xfrm>
-            <a:off x="8331835" y="2479040"/>
+            <a:off x="8331835" y="2811145"/>
             <a:ext cx="3394075" cy="249555"/>
           </a:xfrm>
           <a:prstGeom prst="rect">
@@ -42863,7 +42965,7 @@
         </p:nvSpPr>
         <p:spPr>
           <a:xfrm>
-            <a:off x="8331835" y="2786380"/>
+            <a:off x="8323580" y="1828800"/>
             <a:ext cx="3394075" cy="249555"/>
           </a:xfrm>
           <a:prstGeom prst="rect">
@@ -42896,7 +42998,7 @@
                   <a:schemeClr val="bg1"/>
                 </a:solidFill>
               </a:rPr>
-              <a:t>需要接送？（</a:t>
+              <a:t>需要住宿？（</a:t>
             </a:r>
             <a:r>
               <a:rPr lang="en-US" altLang="zh-CN" sz="1000">
@@ -43071,6 +43173,81 @@
           <a:p>
             <a:pPr algn="ctr"/>
             <a:endParaRPr lang="zh-CN" altLang="en-US"/>
+          </a:p>
+        </p:txBody>
+      </p:sp>
+      <p:sp>
+        <p:nvSpPr>
+          <p:cNvPr id="47" name="矩形 46"/>
+          <p:cNvSpPr/>
+          <p:nvPr/>
+        </p:nvSpPr>
+        <p:spPr>
+          <a:xfrm>
+            <a:off x="8321040" y="2147570"/>
+            <a:ext cx="3394075" cy="249555"/>
+          </a:xfrm>
+          <a:prstGeom prst="rect">
+            <a:avLst/>
+          </a:prstGeom>
+        </p:spPr>
+        <p:style>
+          <a:lnRef idx="2">
+            <a:schemeClr val="accent1">
+              <a:shade val="50000"/>
+            </a:schemeClr>
+          </a:lnRef>
+          <a:fillRef idx="1">
+            <a:schemeClr val="accent1"/>
+          </a:fillRef>
+          <a:effectRef idx="0">
+            <a:schemeClr val="accent1"/>
+          </a:effectRef>
+          <a:fontRef idx="minor">
+            <a:schemeClr val="lt1"/>
+          </a:fontRef>
+        </p:style>
+        <p:txBody>
+          <a:bodyPr rtlCol="0" anchor="ctr"/>
+          <a:p>
+            <a:pPr algn="ctr"/>
+            <a:r>
+              <a:rPr lang="zh-CN" altLang="en-US" sz="1000">
+                <a:solidFill>
+                  <a:schemeClr val="bg1"/>
+                </a:solidFill>
+              </a:rPr>
+              <a:t>需要接送？（</a:t>
+            </a:r>
+            <a:r>
+              <a:rPr lang="en-US" altLang="zh-CN" sz="1000">
+                <a:solidFill>
+                  <a:schemeClr val="bg1"/>
+                </a:solidFill>
+              </a:rPr>
+              <a:t>radio</a:t>
+            </a:r>
+            <a:r>
+              <a:rPr lang="zh-CN" altLang="en-US" sz="1000">
+                <a:solidFill>
+                  <a:schemeClr val="bg1"/>
+                </a:solidFill>
+              </a:rPr>
+              <a:t>）</a:t>
+            </a:r>
+            <a:r>
+              <a:rPr lang="zh-CN" altLang="en-US" sz="1000">
+                <a:solidFill>
+                  <a:srgbClr val="FF0000"/>
+                </a:solidFill>
+              </a:rPr>
+              <a:t>（学生付费）</a:t>
+            </a:r>
+            <a:endParaRPr lang="zh-CN" altLang="en-US" sz="1000">
+              <a:solidFill>
+                <a:srgbClr val="FF0000"/>
+              </a:solidFill>
+            </a:endParaRPr>
           </a:p>
         </p:txBody>
       </p:sp>
@@ -45981,6 +46158,51 @@
                 <a:srgbClr val="FF0000"/>
               </a:solidFill>
             </a:endParaRPr>
+          </a:p>
+        </p:txBody>
+      </p:sp>
+      <p:sp>
+        <p:nvSpPr>
+          <p:cNvPr id="43" name="乘号 42"/>
+          <p:cNvSpPr/>
+          <p:nvPr/>
+        </p:nvSpPr>
+        <p:spPr>
+          <a:xfrm>
+            <a:off x="568325" y="798195"/>
+            <a:ext cx="11169650" cy="5080635"/>
+          </a:xfrm>
+          <a:prstGeom prst="mathMultiply">
+            <a:avLst/>
+          </a:prstGeom>
+          <a:solidFill>
+            <a:srgbClr val="FF0000"/>
+          </a:solidFill>
+          <a:ln>
+            <a:noFill/>
+          </a:ln>
+        </p:spPr>
+        <p:style>
+          <a:lnRef idx="2">
+            <a:schemeClr val="accent1">
+              <a:shade val="50000"/>
+            </a:schemeClr>
+          </a:lnRef>
+          <a:fillRef idx="1">
+            <a:schemeClr val="accent1"/>
+          </a:fillRef>
+          <a:effectRef idx="0">
+            <a:schemeClr val="accent1"/>
+          </a:effectRef>
+          <a:fontRef idx="minor">
+            <a:schemeClr val="lt1"/>
+          </a:fontRef>
+        </p:style>
+        <p:txBody>
+          <a:bodyPr rtlCol="0" anchor="ctr"/>
+          <a:p>
+            <a:pPr algn="ctr"/>
+            <a:endParaRPr lang="zh-CN" altLang="en-US"/>
           </a:p>
         </p:txBody>
       </p:sp>

--- a/界面设计/eTeam界面—团队.pptx
+++ b/界面设计/eTeam界面—团队.pptx
@@ -22318,7 +22318,7 @@
         </p:nvSpPr>
         <p:spPr>
           <a:xfrm>
-            <a:off x="3025775" y="428625"/>
+            <a:off x="3281680" y="428625"/>
             <a:ext cx="2868930" cy="6331585"/>
           </a:xfrm>
           <a:prstGeom prst="rect">
@@ -22368,7 +22368,7 @@
         </p:nvSpPr>
         <p:spPr>
           <a:xfrm>
-            <a:off x="3136900" y="5973445"/>
+            <a:off x="3392805" y="5973445"/>
             <a:ext cx="2634615" cy="354965"/>
           </a:xfrm>
           <a:prstGeom prst="rect">
@@ -22425,7 +22425,7 @@
         </p:nvSpPr>
         <p:spPr>
           <a:xfrm>
-            <a:off x="3093085" y="549910"/>
+            <a:off x="3348990" y="549910"/>
             <a:ext cx="2721610" cy="339090"/>
           </a:xfrm>
           <a:prstGeom prst="rect">
@@ -22486,7 +22486,7 @@
         </p:nvSpPr>
         <p:spPr>
           <a:xfrm>
-            <a:off x="3099435" y="946150"/>
+            <a:off x="3355340" y="946150"/>
             <a:ext cx="2721610" cy="339090"/>
           </a:xfrm>
           <a:prstGeom prst="rect">
@@ -23343,7 +23343,7 @@
         </p:nvSpPr>
         <p:spPr>
           <a:xfrm>
-            <a:off x="6026150" y="428625"/>
+            <a:off x="6282055" y="428625"/>
             <a:ext cx="2868930" cy="6331585"/>
           </a:xfrm>
           <a:prstGeom prst="rect">
@@ -23393,7 +23393,7 @@
         </p:nvSpPr>
         <p:spPr>
           <a:xfrm>
-            <a:off x="6140450" y="6328410"/>
+            <a:off x="6396355" y="6328410"/>
             <a:ext cx="2634615" cy="354965"/>
           </a:xfrm>
           <a:prstGeom prst="rect">
@@ -23450,7 +23450,7 @@
         </p:nvSpPr>
         <p:spPr>
           <a:xfrm>
-            <a:off x="6090285" y="549910"/>
+            <a:off x="6346190" y="549910"/>
             <a:ext cx="2721610" cy="339090"/>
           </a:xfrm>
           <a:prstGeom prst="rect">
@@ -23540,7 +23540,7 @@
         </p:nvSpPr>
         <p:spPr>
           <a:xfrm>
-            <a:off x="6097270" y="946150"/>
+            <a:off x="6353175" y="946150"/>
             <a:ext cx="2721610" cy="339090"/>
           </a:xfrm>
           <a:prstGeom prst="rect">
@@ -23601,7 +23601,7 @@
         </p:nvSpPr>
         <p:spPr>
           <a:xfrm>
-            <a:off x="6097270" y="1400175"/>
+            <a:off x="6353175" y="1400175"/>
             <a:ext cx="845820" cy="784860"/>
           </a:xfrm>
           <a:prstGeom prst="rect">
@@ -23662,7 +23662,7 @@
         </p:nvSpPr>
         <p:spPr>
           <a:xfrm>
-            <a:off x="7028180" y="1400175"/>
+            <a:off x="7284085" y="1400175"/>
             <a:ext cx="845820" cy="784860"/>
           </a:xfrm>
           <a:prstGeom prst="rect">
@@ -23723,7 +23723,7 @@
         </p:nvSpPr>
         <p:spPr>
           <a:xfrm>
-            <a:off x="7973060" y="1400175"/>
+            <a:off x="8228965" y="1400175"/>
             <a:ext cx="845820" cy="784860"/>
           </a:xfrm>
           <a:prstGeom prst="rect">
@@ -23784,7 +23784,7 @@
         </p:nvSpPr>
         <p:spPr>
           <a:xfrm>
-            <a:off x="6097270" y="2273300"/>
+            <a:off x="6353175" y="2273300"/>
             <a:ext cx="845820" cy="784860"/>
           </a:xfrm>
           <a:prstGeom prst="rect">
@@ -23845,7 +23845,7 @@
         </p:nvSpPr>
         <p:spPr>
           <a:xfrm>
-            <a:off x="7028180" y="2273300"/>
+            <a:off x="7284085" y="2273300"/>
             <a:ext cx="845820" cy="784860"/>
           </a:xfrm>
           <a:prstGeom prst="rect">
@@ -23906,7 +23906,7 @@
         </p:nvSpPr>
         <p:spPr>
           <a:xfrm>
-            <a:off x="7973060" y="2273300"/>
+            <a:off x="8228965" y="2273300"/>
             <a:ext cx="845820" cy="784860"/>
           </a:xfrm>
           <a:prstGeom prst="rect">
@@ -23967,7 +23967,7 @@
         </p:nvSpPr>
         <p:spPr>
           <a:xfrm>
-            <a:off x="6097270" y="3146425"/>
+            <a:off x="6353175" y="3146425"/>
             <a:ext cx="845820" cy="784860"/>
           </a:xfrm>
           <a:prstGeom prst="rect">
@@ -24028,7 +24028,7 @@
         </p:nvSpPr>
         <p:spPr>
           <a:xfrm>
-            <a:off x="7028180" y="3146425"/>
+            <a:off x="7284085" y="3146425"/>
             <a:ext cx="845820" cy="784860"/>
           </a:xfrm>
           <a:prstGeom prst="rect">
@@ -24089,7 +24089,7 @@
         </p:nvSpPr>
         <p:spPr>
           <a:xfrm>
-            <a:off x="7973060" y="3146425"/>
+            <a:off x="8228965" y="3146425"/>
             <a:ext cx="845820" cy="784860"/>
           </a:xfrm>
           <a:prstGeom prst="rect">
@@ -24150,7 +24150,7 @@
         </p:nvSpPr>
         <p:spPr>
           <a:xfrm>
-            <a:off x="6097270" y="4011295"/>
+            <a:off x="6353175" y="4011295"/>
             <a:ext cx="845820" cy="784860"/>
           </a:xfrm>
           <a:prstGeom prst="rect">
@@ -24211,7 +24211,7 @@
         </p:nvSpPr>
         <p:spPr>
           <a:xfrm>
-            <a:off x="7028180" y="4011295"/>
+            <a:off x="7284085" y="4011295"/>
             <a:ext cx="845820" cy="784860"/>
           </a:xfrm>
           <a:prstGeom prst="rect">
@@ -24272,7 +24272,7 @@
         </p:nvSpPr>
         <p:spPr>
           <a:xfrm>
-            <a:off x="7973060" y="4011295"/>
+            <a:off x="8228965" y="4011295"/>
             <a:ext cx="845820" cy="784860"/>
           </a:xfrm>
           <a:prstGeom prst="rect">
@@ -24333,7 +24333,7 @@
         </p:nvSpPr>
         <p:spPr>
           <a:xfrm>
-            <a:off x="6097270" y="4884420"/>
+            <a:off x="6353175" y="4884420"/>
             <a:ext cx="845820" cy="784860"/>
           </a:xfrm>
           <a:prstGeom prst="rect">
@@ -24394,7 +24394,7 @@
         </p:nvSpPr>
         <p:spPr>
           <a:xfrm>
-            <a:off x="7028180" y="4884420"/>
+            <a:off x="7284085" y="4884420"/>
             <a:ext cx="845820" cy="784860"/>
           </a:xfrm>
           <a:prstGeom prst="rect">
@@ -24455,7 +24455,7 @@
         </p:nvSpPr>
         <p:spPr>
           <a:xfrm>
-            <a:off x="7973060" y="4884420"/>
+            <a:off x="8228965" y="4884420"/>
             <a:ext cx="845820" cy="784860"/>
           </a:xfrm>
           <a:prstGeom prst="rect">
@@ -24516,7 +24516,7 @@
         </p:nvSpPr>
         <p:spPr>
           <a:xfrm>
-            <a:off x="9637395" y="1400175"/>
+            <a:off x="9893300" y="1400175"/>
             <a:ext cx="1636395" cy="685800"/>
           </a:xfrm>
           <a:prstGeom prst="rect">
@@ -24585,7 +24585,7 @@
         </p:nvCxnSpPr>
         <p:spPr>
           <a:xfrm flipH="1">
-            <a:off x="8895080" y="1743075"/>
+            <a:off x="9150985" y="1743075"/>
             <a:ext cx="742315" cy="1851660"/>
           </a:xfrm>
           <a:prstGeom prst="straightConnector1">
@@ -24618,7 +24618,7 @@
         </p:nvSpPr>
         <p:spPr>
           <a:xfrm>
-            <a:off x="3089910" y="1342390"/>
+            <a:off x="3345815" y="1342390"/>
             <a:ext cx="2721610" cy="339090"/>
           </a:xfrm>
           <a:prstGeom prst="rect">
@@ -24850,7 +24850,7 @@
         </p:nvSpPr>
         <p:spPr>
           <a:xfrm>
-            <a:off x="3146425" y="6384925"/>
+            <a:off x="3402330" y="6384925"/>
             <a:ext cx="2627630" cy="318135"/>
           </a:xfrm>
           <a:prstGeom prst="rect">
